--- a/1_Infrastruktura_IT.pptx
+++ b/1_Infrastruktura_IT.pptx
@@ -219,7 +219,7 @@
           <a:p>
             <a:fld id="{5030ED2E-3D69-483A-A1D3-737DA805A09E}" type="datetimeFigureOut">
               <a:rPr lang="en-US" smtClean="0"/>
-              <a:t>11/1/2020</a:t>
+              <a:t>11/10/2020</a:t>
             </a:fld>
             <a:endParaRPr lang="en-US"/>
           </a:p>
@@ -2581,7 +2581,7 @@
           <a:p>
             <a:fld id="{ECC34D63-B9C8-4C03-BEE1-E5EE606B8F38}" type="datetimeFigureOut">
               <a:rPr lang="en-US" smtClean="0"/>
-              <a:t>11/1/2020</a:t>
+              <a:t>11/10/2020</a:t>
             </a:fld>
             <a:endParaRPr lang="en-US"/>
           </a:p>
@@ -2779,7 +2779,7 @@
           <a:p>
             <a:fld id="{ECC34D63-B9C8-4C03-BEE1-E5EE606B8F38}" type="datetimeFigureOut">
               <a:rPr lang="en-US" smtClean="0"/>
-              <a:t>11/1/2020</a:t>
+              <a:t>11/10/2020</a:t>
             </a:fld>
             <a:endParaRPr lang="en-US"/>
           </a:p>
@@ -2987,7 +2987,7 @@
           <a:p>
             <a:fld id="{ECC34D63-B9C8-4C03-BEE1-E5EE606B8F38}" type="datetimeFigureOut">
               <a:rPr lang="en-US" smtClean="0"/>
-              <a:t>11/1/2020</a:t>
+              <a:t>11/10/2020</a:t>
             </a:fld>
             <a:endParaRPr lang="en-US"/>
           </a:p>
@@ -3185,7 +3185,7 @@
           <a:p>
             <a:fld id="{ECC34D63-B9C8-4C03-BEE1-E5EE606B8F38}" type="datetimeFigureOut">
               <a:rPr lang="en-US" smtClean="0"/>
-              <a:t>11/1/2020</a:t>
+              <a:t>11/10/2020</a:t>
             </a:fld>
             <a:endParaRPr lang="en-US"/>
           </a:p>
@@ -3460,7 +3460,7 @@
           <a:p>
             <a:fld id="{ECC34D63-B9C8-4C03-BEE1-E5EE606B8F38}" type="datetimeFigureOut">
               <a:rPr lang="en-US" smtClean="0"/>
-              <a:t>11/1/2020</a:t>
+              <a:t>11/10/2020</a:t>
             </a:fld>
             <a:endParaRPr lang="en-US"/>
           </a:p>
@@ -3725,7 +3725,7 @@
           <a:p>
             <a:fld id="{ECC34D63-B9C8-4C03-BEE1-E5EE606B8F38}" type="datetimeFigureOut">
               <a:rPr lang="en-US" smtClean="0"/>
-              <a:t>11/1/2020</a:t>
+              <a:t>11/10/2020</a:t>
             </a:fld>
             <a:endParaRPr lang="en-US"/>
           </a:p>
@@ -4137,7 +4137,7 @@
           <a:p>
             <a:fld id="{ECC34D63-B9C8-4C03-BEE1-E5EE606B8F38}" type="datetimeFigureOut">
               <a:rPr lang="en-US" smtClean="0"/>
-              <a:t>11/1/2020</a:t>
+              <a:t>11/10/2020</a:t>
             </a:fld>
             <a:endParaRPr lang="en-US"/>
           </a:p>
@@ -4278,7 +4278,7 @@
           <a:p>
             <a:fld id="{ECC34D63-B9C8-4C03-BEE1-E5EE606B8F38}" type="datetimeFigureOut">
               <a:rPr lang="en-US" smtClean="0"/>
-              <a:t>11/1/2020</a:t>
+              <a:t>11/10/2020</a:t>
             </a:fld>
             <a:endParaRPr lang="en-US"/>
           </a:p>
@@ -4391,7 +4391,7 @@
           <a:p>
             <a:fld id="{ECC34D63-B9C8-4C03-BEE1-E5EE606B8F38}" type="datetimeFigureOut">
               <a:rPr lang="en-US" smtClean="0"/>
-              <a:t>11/1/2020</a:t>
+              <a:t>11/10/2020</a:t>
             </a:fld>
             <a:endParaRPr lang="en-US"/>
           </a:p>
@@ -4702,7 +4702,7 @@
           <a:p>
             <a:fld id="{ECC34D63-B9C8-4C03-BEE1-E5EE606B8F38}" type="datetimeFigureOut">
               <a:rPr lang="en-US" smtClean="0"/>
-              <a:t>11/1/2020</a:t>
+              <a:t>11/10/2020</a:t>
             </a:fld>
             <a:endParaRPr lang="en-US"/>
           </a:p>
@@ -4990,7 +4990,7 @@
           <a:p>
             <a:fld id="{ECC34D63-B9C8-4C03-BEE1-E5EE606B8F38}" type="datetimeFigureOut">
               <a:rPr lang="en-US" smtClean="0"/>
-              <a:t>11/1/2020</a:t>
+              <a:t>11/10/2020</a:t>
             </a:fld>
             <a:endParaRPr lang="en-US"/>
           </a:p>
@@ -5231,7 +5231,7 @@
           <a:p>
             <a:fld id="{ECC34D63-B9C8-4C03-BEE1-E5EE606B8F38}" type="datetimeFigureOut">
               <a:rPr lang="en-US" smtClean="0"/>
-              <a:t>11/1/2020</a:t>
+              <a:t>11/10/2020</a:t>
             </a:fld>
             <a:endParaRPr lang="en-US"/>
           </a:p>
@@ -9432,7 +9432,7 @@
         <p:spPr>
           <a:xfrm>
             <a:off x="1619571" y="1735854"/>
-            <a:ext cx="9510247" cy="3016210"/>
+            <a:ext cx="9510247" cy="3447098"/>
           </a:xfrm>
           <a:prstGeom prst="rect">
             <a:avLst/>
@@ -9510,7 +9510,17 @@
             </a:pPr>
             <a:r>
               <a:rPr lang="en-US" sz="2800"/>
-              <a:t>VII	Zaliczenie (test w formie pisemnej)</a:t>
+              <a:t>VII   Wybrane przykłady i statystyki</a:t>
+            </a:r>
+          </a:p>
+          <a:p>
+            <a:pPr marL="285750" lvl="0" indent="-285750">
+              <a:buFont typeface="Arial" panose="020B0604020202020204" pitchFamily="34" charset="0"/>
+              <a:buChar char="•"/>
+            </a:pPr>
+            <a:r>
+              <a:rPr lang="en-US" sz="2800"/>
+              <a:t>VIII	Zaliczenie (test w formie pisemnej)</a:t>
             </a:r>
           </a:p>
         </p:txBody>

--- a/1_Infrastruktura_IT.pptx
+++ b/1_Infrastruktura_IT.pptx
@@ -86,7 +86,7 @@
         <p:txBody>
           <a:bodyPr/>
           <a:p>
-            <a:fld id="{16019A64-2A55-4E31-A80E-9B7CDCB801AD}" type="slidenum">
+            <a:fld id="{88CEC82C-4806-4F3F-AC7B-8FD5CED9A9EF}" type="slidenum">
               <a:t>&lt;#&gt;</a:t>
             </a:fld>
           </a:p>
@@ -274,7 +274,7 @@
         <p:txBody>
           <a:bodyPr/>
           <a:p>
-            <a:fld id="{3CE35882-806D-4482-8238-F5A28E221EC7}" type="slidenum">
+            <a:fld id="{3153A7EF-E4BE-489B-B27B-130C1AF27B9F}" type="slidenum">
               <a:t>&lt;#&gt;</a:t>
             </a:fld>
           </a:p>
@@ -530,7 +530,7 @@
         <p:txBody>
           <a:bodyPr/>
           <a:p>
-            <a:fld id="{330594E7-5579-4C77-94EA-016B7BE57431}" type="slidenum">
+            <a:fld id="{8E02E5DB-1649-4EB8-B03C-B5927B9C4AB3}" type="slidenum">
               <a:t>&lt;#&gt;</a:t>
             </a:fld>
           </a:p>
@@ -854,7 +854,7 @@
         <p:txBody>
           <a:bodyPr/>
           <a:p>
-            <a:fld id="{F724585B-92FC-4479-85C7-35DDEC0A5E7E}" type="slidenum">
+            <a:fld id="{B6BCA5A7-7753-4DD0-8F62-EE65647076F5}" type="slidenum">
               <a:t>&lt;#&gt;</a:t>
             </a:fld>
           </a:p>
@@ -1011,7 +1011,7 @@
         <p:txBody>
           <a:bodyPr/>
           <a:p>
-            <a:fld id="{6BF67270-5897-4D3F-BAE0-E2E354E0B04C}" type="slidenum">
+            <a:fld id="{032F76A3-FA38-4ED8-B3C6-5DB49C7D7EC0}" type="slidenum">
               <a:t>&lt;#&gt;</a:t>
             </a:fld>
           </a:p>
@@ -1165,7 +1165,7 @@
         <p:txBody>
           <a:bodyPr/>
           <a:p>
-            <a:fld id="{2CBE15E0-9064-4E4E-9708-1F5E12848EF0}" type="slidenum">
+            <a:fld id="{3E1F3204-AD39-4237-B0B7-2E0F22774A9E}" type="slidenum">
               <a:t>&lt;#&gt;</a:t>
             </a:fld>
           </a:p>
@@ -1353,7 +1353,7 @@
         <p:txBody>
           <a:bodyPr/>
           <a:p>
-            <a:fld id="{84B4E663-CF29-4BEF-957A-344220A0BC8B}" type="slidenum">
+            <a:fld id="{B370E99B-A9DD-4CB1-8BA5-1DE832502CCD}" type="slidenum">
               <a:t>&lt;#&gt;</a:t>
             </a:fld>
           </a:p>
@@ -1473,7 +1473,7 @@
         <p:txBody>
           <a:bodyPr/>
           <a:p>
-            <a:fld id="{D2CAA17A-72BD-4135-9C90-FF742A39B982}" type="slidenum">
+            <a:fld id="{5D3C147B-96D7-4A12-B4F4-03757EC7C99B}" type="slidenum">
               <a:t>&lt;#&gt;</a:t>
             </a:fld>
           </a:p>
@@ -1593,7 +1593,7 @@
         <p:txBody>
           <a:bodyPr/>
           <a:p>
-            <a:fld id="{9C4CEE06-DE20-4215-94E9-62F3953E582C}" type="slidenum">
+            <a:fld id="{6956951A-DCF7-40E1-A22F-ED5527C583AE}" type="slidenum">
               <a:t>&lt;#&gt;</a:t>
             </a:fld>
           </a:p>
@@ -1815,7 +1815,7 @@
         <p:txBody>
           <a:bodyPr/>
           <a:p>
-            <a:fld id="{566E53FD-5D0B-49C1-8BAF-5B7EE3542639}" type="slidenum">
+            <a:fld id="{D742F95F-0F33-4515-9D71-03D8D20D795C}" type="slidenum">
               <a:t>&lt;#&gt;</a:t>
             </a:fld>
           </a:p>
@@ -2037,7 +2037,7 @@
         <p:txBody>
           <a:bodyPr/>
           <a:p>
-            <a:fld id="{4CCA5ADF-7BE8-4453-8FB3-3EEE57880A11}" type="slidenum">
+            <a:fld id="{0D1095A9-2445-4A31-A715-123D02F99F64}" type="slidenum">
               <a:t>&lt;#&gt;</a:t>
             </a:fld>
           </a:p>
@@ -2259,7 +2259,7 @@
         <p:txBody>
           <a:bodyPr/>
           <a:p>
-            <a:fld id="{C10E4A4C-3A43-450F-A5C1-0F9619EE8E60}" type="slidenum">
+            <a:fld id="{C77B344C-8543-4DA0-9100-98632D67778E}" type="slidenum">
               <a:t>&lt;#&gt;</a:t>
             </a:fld>
           </a:p>
@@ -2328,7 +2328,7 @@
         <p:spPr>
           <a:xfrm>
             <a:off x="4038480" y="6356520"/>
-            <a:ext cx="4113720" cy="363960"/>
+            <a:ext cx="4113360" cy="363600"/>
           </a:xfrm>
           <a:prstGeom prst="rect">
             <a:avLst/>
@@ -2372,7 +2372,7 @@
                 <a:latin typeface="Times New Roman"/>
                 <a:ea typeface="DejaVu Sans"/>
               </a:rPr>
-              <a:t> </a:t>
+              <a:t>&lt;footer&gt;</a:t>
             </a:r>
             <a:endParaRPr b="0" lang="en-US" sz="1400" spc="-1" strike="noStrike">
               <a:latin typeface="Times New Roman"/>
@@ -2393,7 +2393,7 @@
         <p:spPr>
           <a:xfrm>
             <a:off x="8610480" y="6356520"/>
-            <a:ext cx="2742120" cy="363960"/>
+            <a:ext cx="2741760" cy="363600"/>
           </a:xfrm>
           <a:prstGeom prst="rect">
             <a:avLst/>
@@ -2429,7 +2429,7 @@
               </a:lnSpc>
               <a:buNone/>
             </a:pPr>
-            <a:fld id="{DCC4A384-AA0F-477A-9A95-5A167439F46B}" type="slidenum">
+            <a:fld id="{B0554732-24F8-4CB7-B716-4F56FA1EF4B3}" type="slidenum">
               <a:rPr b="0" lang="en-US" sz="1200" spc="-1" strike="noStrike">
                 <a:solidFill>
                   <a:srgbClr val="8b8b8b"/>
@@ -2437,7 +2437,7 @@
                 <a:latin typeface="Calibri"/>
                 <a:ea typeface="DejaVu Sans"/>
               </a:rPr>
-              <a:t>24</a:t>
+              <a:t>&lt;number&gt;</a:t>
             </a:fld>
             <a:endParaRPr b="0" lang="en-US" sz="1200" spc="-1" strike="noStrike">
               <a:latin typeface="Times New Roman"/>
@@ -2458,7 +2458,7 @@
         <p:spPr>
           <a:xfrm>
             <a:off x="838080" y="6356520"/>
-            <a:ext cx="2742120" cy="363960"/>
+            <a:ext cx="2741760" cy="363600"/>
           </a:xfrm>
           <a:prstGeom prst="rect">
             <a:avLst/>
@@ -2484,7 +2484,7 @@
               <a:rPr b="0" lang="en-US" sz="1400" spc="-1" strike="noStrike">
                 <a:latin typeface="Times New Roman"/>
               </a:rPr>
-              <a:t> </a:t>
+              <a:t>&lt;date/time&gt;</a:t>
             </a:r>
             <a:endParaRPr b="0" lang="en-US" sz="1400" spc="-1" strike="noStrike">
               <a:latin typeface="Times New Roman"/>
@@ -2776,7 +2776,7 @@
         <p:spPr>
           <a:xfrm>
             <a:off x="1491480" y="0"/>
-            <a:ext cx="9199440" cy="897840"/>
+            <a:ext cx="9199080" cy="897480"/>
           </a:xfrm>
           <a:prstGeom prst="rect">
             <a:avLst/>
@@ -2829,7 +2829,7 @@
         <p:spPr>
           <a:xfrm>
             <a:off x="1540440" y="4651200"/>
-            <a:ext cx="9150480" cy="546480"/>
+            <a:ext cx="9150120" cy="546480"/>
           </a:xfrm>
           <a:prstGeom prst="rect">
             <a:avLst/>
@@ -2885,7 +2885,7 @@
         <p:spPr>
           <a:xfrm>
             <a:off x="7395480" y="3561480"/>
-            <a:ext cx="26280" cy="62280"/>
+            <a:ext cx="25920" cy="62280"/>
           </a:xfrm>
           <a:prstGeom prst="rect">
             <a:avLst/>
@@ -2971,7 +2971,7 @@
         <p:spPr>
           <a:xfrm>
             <a:off x="2315520" y="151560"/>
-            <a:ext cx="7860240" cy="1294920"/>
+            <a:ext cx="7859880" cy="1294560"/>
           </a:xfrm>
           <a:prstGeom prst="rect">
             <a:avLst/>
@@ -2993,7 +2993,7 @@
               <a:buNone/>
             </a:pPr>
             <a:r>
-              <a:rPr b="1" lang="en-US" sz="3000" spc="279" strike="noStrike">
+              <a:rPr b="1" lang="en-US" sz="3000" spc="276" strike="noStrike">
                 <a:solidFill>
                   <a:srgbClr val="000000"/>
                 </a:solidFill>
@@ -3003,7 +3003,7 @@
               <a:t>Rozproszenie mi</a:t>
             </a:r>
             <a:r>
-              <a:rPr b="1" lang="pl-PL" sz="3000" spc="279" strike="noStrike">
+              <a:rPr b="1" lang="pl-PL" sz="3000" spc="276" strike="noStrike">
                 <a:solidFill>
                   <a:srgbClr val="000000"/>
                 </a:solidFill>
@@ -3031,7 +3031,7 @@
         <p:spPr>
           <a:xfrm>
             <a:off x="10373040" y="50040"/>
-            <a:ext cx="1707480" cy="1132560"/>
+            <a:ext cx="1707120" cy="1132200"/>
           </a:xfrm>
           <a:prstGeom prst="rect">
             <a:avLst/>
@@ -3054,7 +3054,7 @@
         <p:spPr>
           <a:xfrm>
             <a:off x="110880" y="50040"/>
-            <a:ext cx="2007360" cy="1303560"/>
+            <a:ext cx="2007000" cy="1303200"/>
           </a:xfrm>
           <a:prstGeom prst="rect">
             <a:avLst/>
@@ -3073,7 +3073,7 @@
         <p:spPr>
           <a:xfrm>
             <a:off x="711000" y="1710720"/>
-            <a:ext cx="11023560" cy="3805200"/>
+            <a:ext cx="11023200" cy="3805200"/>
           </a:xfrm>
           <a:prstGeom prst="rect">
             <a:avLst/>
@@ -3338,7 +3338,7 @@
         <p:spPr>
           <a:xfrm>
             <a:off x="287280" y="64800"/>
-            <a:ext cx="11616120" cy="827280"/>
+            <a:ext cx="11615760" cy="826920"/>
           </a:xfrm>
           <a:prstGeom prst="rect">
             <a:avLst/>
@@ -3360,7 +3360,7 @@
               <a:buNone/>
             </a:pPr>
             <a:r>
-              <a:rPr b="1" lang="pl-PL" sz="3200" spc="279" strike="noStrike">
+              <a:rPr b="1" lang="pl-PL" sz="3200" spc="276" strike="noStrike">
                 <a:solidFill>
                   <a:srgbClr val="000000"/>
                 </a:solidFill>
@@ -3384,7 +3384,7 @@
         <p:spPr>
           <a:xfrm>
             <a:off x="462600" y="1805400"/>
-            <a:ext cx="4779720" cy="1614600"/>
+            <a:ext cx="4779360" cy="1614240"/>
           </a:xfrm>
           <a:prstGeom prst="rect">
             <a:avLst/>
@@ -3570,7 +3570,7 @@
         <p:spPr>
           <a:xfrm>
             <a:off x="5713200" y="1116360"/>
-            <a:ext cx="4437000" cy="5059800"/>
+            <a:ext cx="4436640" cy="5059440"/>
           </a:xfrm>
           <a:prstGeom prst="rect">
             <a:avLst/>
@@ -3623,7 +3623,7 @@
         <p:spPr>
           <a:xfrm>
             <a:off x="287280" y="64800"/>
-            <a:ext cx="11616120" cy="926640"/>
+            <a:ext cx="11615760" cy="926280"/>
           </a:xfrm>
           <a:prstGeom prst="rect">
             <a:avLst/>
@@ -3645,7 +3645,7 @@
               <a:buNone/>
             </a:pPr>
             <a:r>
-              <a:rPr b="1" lang="pl-PL" sz="2900" spc="279" strike="noStrike">
+              <a:rPr b="1" lang="pl-PL" sz="2900" spc="276" strike="noStrike">
                 <a:solidFill>
                   <a:srgbClr val="000000"/>
                 </a:solidFill>
@@ -3673,7 +3673,7 @@
         <p:spPr>
           <a:xfrm>
             <a:off x="1428480" y="1357920"/>
-            <a:ext cx="9520200" cy="4141440"/>
+            <a:ext cx="9519840" cy="4141080"/>
           </a:xfrm>
           <a:prstGeom prst="rect">
             <a:avLst/>
@@ -3692,7 +3692,7 @@
         <p:spPr>
           <a:xfrm>
             <a:off x="374040" y="4245120"/>
-            <a:ext cx="8514720" cy="2558520"/>
+            <a:ext cx="8514360" cy="2558520"/>
           </a:xfrm>
           <a:prstGeom prst="rect">
             <a:avLst/>
@@ -3843,7 +3843,7 @@
         <p:spPr>
           <a:xfrm>
             <a:off x="287280" y="64800"/>
-            <a:ext cx="11616120" cy="1062720"/>
+            <a:ext cx="11615760" cy="1062360"/>
           </a:xfrm>
           <a:prstGeom prst="rect">
             <a:avLst/>
@@ -3865,7 +3865,7 @@
               <a:buNone/>
             </a:pPr>
             <a:r>
-              <a:rPr b="1" lang="pl-PL" sz="3200" spc="279" strike="noStrike">
+              <a:rPr b="1" lang="pl-PL" sz="3200" spc="276" strike="noStrike">
                 <a:solidFill>
                   <a:srgbClr val="000000"/>
                 </a:solidFill>
@@ -3893,7 +3893,7 @@
         <p:spPr>
           <a:xfrm>
             <a:off x="1457640" y="1357920"/>
-            <a:ext cx="9520200" cy="4141440"/>
+            <a:ext cx="9519840" cy="4141080"/>
           </a:xfrm>
           <a:prstGeom prst="rect">
             <a:avLst/>
@@ -3912,7 +3912,7 @@
         <p:spPr>
           <a:xfrm>
             <a:off x="367560" y="4751640"/>
-            <a:ext cx="8514720" cy="2010240"/>
+            <a:ext cx="8514360" cy="2009880"/>
           </a:xfrm>
           <a:prstGeom prst="rect">
             <a:avLst/>
@@ -4069,7 +4069,7 @@
         <p:spPr>
           <a:xfrm>
             <a:off x="1486800" y="609480"/>
-            <a:ext cx="9520200" cy="4141440"/>
+            <a:ext cx="9519840" cy="4141080"/>
           </a:xfrm>
           <a:prstGeom prst="rect">
             <a:avLst/>
@@ -4088,7 +4088,7 @@
         <p:spPr>
           <a:xfrm>
             <a:off x="406440" y="3620520"/>
-            <a:ext cx="8514720" cy="3107160"/>
+            <a:ext cx="8514360" cy="3107160"/>
           </a:xfrm>
           <a:prstGeom prst="rect">
             <a:avLst/>
@@ -4215,7 +4215,7 @@
         <p:spPr>
           <a:xfrm>
             <a:off x="287280" y="64800"/>
-            <a:ext cx="11616120" cy="1062720"/>
+            <a:ext cx="11615760" cy="1062360"/>
           </a:xfrm>
           <a:prstGeom prst="rect">
             <a:avLst/>
@@ -4243,7 +4243,7 @@
               <a:buNone/>
             </a:pPr>
             <a:r>
-              <a:rPr b="1" lang="pl-PL" sz="3200" spc="279" strike="noStrike">
+              <a:rPr b="1" lang="pl-PL" sz="3200" spc="276" strike="noStrike">
                 <a:solidFill>
                   <a:srgbClr val="000000"/>
                 </a:solidFill>
@@ -4301,7 +4301,7 @@
         <p:spPr>
           <a:xfrm>
             <a:off x="1486800" y="609480"/>
-            <a:ext cx="9520200" cy="4141440"/>
+            <a:ext cx="9519840" cy="4141080"/>
           </a:xfrm>
           <a:prstGeom prst="rect">
             <a:avLst/>
@@ -4320,7 +4320,7 @@
         <p:spPr>
           <a:xfrm>
             <a:off x="406440" y="3620520"/>
-            <a:ext cx="8514720" cy="2284200"/>
+            <a:ext cx="8514360" cy="2284200"/>
           </a:xfrm>
           <a:prstGeom prst="rect">
             <a:avLst/>
@@ -4534,7 +4534,7 @@
         <p:spPr>
           <a:xfrm>
             <a:off x="287280" y="64800"/>
-            <a:ext cx="11616120" cy="1062720"/>
+            <a:ext cx="11615760" cy="1062360"/>
           </a:xfrm>
           <a:prstGeom prst="rect">
             <a:avLst/>
@@ -4562,7 +4562,7 @@
               <a:buNone/>
             </a:pPr>
             <a:r>
-              <a:rPr b="1" lang="pl-PL" sz="3200" spc="279" strike="noStrike">
+              <a:rPr b="1" lang="pl-PL" sz="3200" spc="276" strike="noStrike">
                 <a:solidFill>
                   <a:srgbClr val="000000"/>
                 </a:solidFill>
@@ -4620,7 +4620,7 @@
         <p:spPr>
           <a:xfrm>
             <a:off x="753840" y="0"/>
-            <a:ext cx="10683360" cy="1461240"/>
+            <a:ext cx="10683000" cy="1460880"/>
           </a:xfrm>
           <a:prstGeom prst="rect">
             <a:avLst/>
@@ -4642,7 +4642,7 @@
               <a:buNone/>
             </a:pPr>
             <a:r>
-              <a:rPr b="1" lang="en-US" sz="4808" spc="279" strike="noStrike" baseline="-18000">
+              <a:rPr b="1" lang="en-US" sz="4808" spc="276" strike="noStrike" baseline="-18000">
                 <a:solidFill>
                   <a:srgbClr val="000000"/>
                 </a:solidFill>
@@ -4670,7 +4670,7 @@
         <p:spPr>
           <a:xfrm>
             <a:off x="1670760" y="1461960"/>
-            <a:ext cx="8849520" cy="3583080"/>
+            <a:ext cx="8849160" cy="3582720"/>
           </a:xfrm>
           <a:prstGeom prst="rect">
             <a:avLst/>
@@ -4689,7 +4689,7 @@
         <p:spPr>
           <a:xfrm>
             <a:off x="753840" y="5279760"/>
-            <a:ext cx="11054880" cy="1461240"/>
+            <a:ext cx="11054520" cy="1461240"/>
           </a:xfrm>
           <a:prstGeom prst="rect">
             <a:avLst/>
@@ -4944,7 +4944,7 @@
         <p:spPr>
           <a:xfrm>
             <a:off x="287280" y="0"/>
-            <a:ext cx="11616120" cy="917280"/>
+            <a:ext cx="11615760" cy="916920"/>
           </a:xfrm>
           <a:prstGeom prst="rect">
             <a:avLst/>
@@ -4966,7 +4966,7 @@
               <a:buNone/>
             </a:pPr>
             <a:r>
-              <a:rPr b="1" lang="pl-PL" sz="3200" spc="279" strike="noStrike">
+              <a:rPr b="1" lang="pl-PL" sz="3200" spc="276" strike="noStrike">
                 <a:solidFill>
                   <a:srgbClr val="000000"/>
                 </a:solidFill>
@@ -4976,7 +4976,7 @@
               <a:t>Internet a sieć</a:t>
             </a:r>
             <a:r>
-              <a:rPr b="1" lang="en-US" sz="3200" spc="279" strike="noStrike">
+              <a:rPr b="1" lang="en-US" sz="3200" spc="276" strike="noStrike">
                 <a:solidFill>
                   <a:srgbClr val="000000"/>
                 </a:solidFill>
@@ -4986,7 +4986,7 @@
               <a:t> </a:t>
             </a:r>
             <a:r>
-              <a:rPr b="1" lang="pl-PL" sz="3200" spc="279" strike="noStrike">
+              <a:rPr b="1" lang="pl-PL" sz="3200" spc="276" strike="noStrike">
                 <a:solidFill>
                   <a:srgbClr val="000000"/>
                 </a:solidFill>
@@ -4996,7 +4996,7 @@
               <a:t>lokalna</a:t>
             </a:r>
             <a:r>
-              <a:rPr b="1" lang="en-US" sz="3200" spc="279" strike="noStrike">
+              <a:rPr b="1" lang="en-US" sz="3200" spc="276" strike="noStrike">
                 <a:solidFill>
                   <a:srgbClr val="000000"/>
                 </a:solidFill>
@@ -5020,7 +5020,7 @@
         <p:spPr>
           <a:xfrm>
             <a:off x="287280" y="918360"/>
-            <a:ext cx="10934640" cy="2529000"/>
+            <a:ext cx="10934280" cy="2529000"/>
           </a:xfrm>
           <a:prstGeom prst="rect">
             <a:avLst/>
@@ -5241,7 +5241,7 @@
         <p:spPr>
           <a:xfrm>
             <a:off x="4971600" y="3458880"/>
-            <a:ext cx="6932160" cy="3483000"/>
+            <a:ext cx="6931800" cy="3482640"/>
           </a:xfrm>
           <a:prstGeom prst="rect">
             <a:avLst/>
@@ -5260,7 +5260,7 @@
         <p:spPr>
           <a:xfrm>
             <a:off x="287280" y="2988720"/>
-            <a:ext cx="4286160" cy="638280"/>
+            <a:ext cx="4285800" cy="638280"/>
           </a:xfrm>
           <a:prstGeom prst="rect">
             <a:avLst/>
@@ -5375,7 +5375,7 @@
         <p:spPr>
           <a:xfrm>
             <a:off x="287280" y="0"/>
-            <a:ext cx="11616120" cy="917280"/>
+            <a:ext cx="11615760" cy="916920"/>
           </a:xfrm>
           <a:prstGeom prst="rect">
             <a:avLst/>
@@ -5397,7 +5397,7 @@
               <a:buNone/>
             </a:pPr>
             <a:r>
-              <a:rPr b="1" lang="pl-PL" sz="3200" spc="279" strike="noStrike">
+              <a:rPr b="1" lang="pl-PL" sz="3200" spc="276" strike="noStrike">
                 <a:solidFill>
                   <a:srgbClr val="000000"/>
                 </a:solidFill>
@@ -5407,7 +5407,7 @@
               <a:t>Internet a sieć</a:t>
             </a:r>
             <a:r>
-              <a:rPr b="1" lang="en-US" sz="3200" spc="279" strike="noStrike">
+              <a:rPr b="1" lang="en-US" sz="3200" spc="276" strike="noStrike">
                 <a:solidFill>
                   <a:srgbClr val="000000"/>
                 </a:solidFill>
@@ -5417,7 +5417,7 @@
               <a:t> </a:t>
             </a:r>
             <a:r>
-              <a:rPr b="1" lang="pl-PL" sz="3200" spc="279" strike="noStrike">
+              <a:rPr b="1" lang="pl-PL" sz="3200" spc="276" strike="noStrike">
                 <a:solidFill>
                   <a:srgbClr val="000000"/>
                 </a:solidFill>
@@ -5427,7 +5427,7 @@
               <a:t>lokalna</a:t>
             </a:r>
             <a:r>
-              <a:rPr b="1" lang="en-US" sz="3200" spc="279" strike="noStrike">
+              <a:rPr b="1" lang="en-US" sz="3200" spc="276" strike="noStrike">
                 <a:solidFill>
                   <a:srgbClr val="000000"/>
                 </a:solidFill>
@@ -5451,7 +5451,7 @@
         <p:spPr>
           <a:xfrm>
             <a:off x="287280" y="1177200"/>
-            <a:ext cx="10934640" cy="2833920"/>
+            <a:ext cx="10934280" cy="2833920"/>
           </a:xfrm>
           <a:prstGeom prst="rect">
             <a:avLst/>
@@ -5659,7 +5659,7 @@
         <p:spPr>
           <a:xfrm>
             <a:off x="4971600" y="3458880"/>
-            <a:ext cx="6932160" cy="3483000"/>
+            <a:ext cx="6931800" cy="3482640"/>
           </a:xfrm>
           <a:prstGeom prst="rect">
             <a:avLst/>
@@ -5678,7 +5678,7 @@
         <p:spPr>
           <a:xfrm>
             <a:off x="396720" y="4209840"/>
-            <a:ext cx="4122360" cy="1735560"/>
+            <a:ext cx="4122000" cy="1735560"/>
           </a:xfrm>
           <a:prstGeom prst="rect">
             <a:avLst/>
@@ -5764,7 +5764,7 @@
         <p:spPr>
           <a:xfrm>
             <a:off x="287280" y="0"/>
-            <a:ext cx="11616120" cy="917280"/>
+            <a:ext cx="11615760" cy="916920"/>
           </a:xfrm>
           <a:prstGeom prst="rect">
             <a:avLst/>
@@ -5786,7 +5786,7 @@
               <a:buNone/>
             </a:pPr>
             <a:r>
-              <a:rPr b="1" lang="pl-PL" sz="3200" spc="279" strike="noStrike">
+              <a:rPr b="1" lang="pl-PL" sz="3200" spc="276" strike="noStrike">
                 <a:solidFill>
                   <a:srgbClr val="000000"/>
                 </a:solidFill>
@@ -5796,7 +5796,7 @@
               <a:t>Internet a sieć</a:t>
             </a:r>
             <a:r>
-              <a:rPr b="1" lang="en-US" sz="3200" spc="279" strike="noStrike">
+              <a:rPr b="1" lang="en-US" sz="3200" spc="276" strike="noStrike">
                 <a:solidFill>
                   <a:srgbClr val="000000"/>
                 </a:solidFill>
@@ -5806,7 +5806,7 @@
               <a:t> </a:t>
             </a:r>
             <a:r>
-              <a:rPr b="1" lang="pl-PL" sz="3200" spc="279" strike="noStrike">
+              <a:rPr b="1" lang="pl-PL" sz="3200" spc="276" strike="noStrike">
                 <a:solidFill>
                   <a:srgbClr val="000000"/>
                 </a:solidFill>
@@ -5816,7 +5816,7 @@
               <a:t>lokalna</a:t>
             </a:r>
             <a:r>
-              <a:rPr b="1" lang="en-US" sz="3200" spc="279" strike="noStrike">
+              <a:rPr b="1" lang="en-US" sz="3200" spc="276" strike="noStrike">
                 <a:solidFill>
                   <a:srgbClr val="000000"/>
                 </a:solidFill>
@@ -5840,7 +5840,7 @@
         <p:spPr>
           <a:xfrm>
             <a:off x="287280" y="1177200"/>
-            <a:ext cx="10934640" cy="2224080"/>
+            <a:ext cx="10934280" cy="2224080"/>
           </a:xfrm>
           <a:prstGeom prst="rect">
             <a:avLst/>
@@ -6018,7 +6018,7 @@
         <p:spPr>
           <a:xfrm>
             <a:off x="4971600" y="3458880"/>
-            <a:ext cx="6932160" cy="3483000"/>
+            <a:ext cx="6931800" cy="3482640"/>
           </a:xfrm>
           <a:prstGeom prst="rect">
             <a:avLst/>
@@ -6037,7 +6037,7 @@
         <p:spPr>
           <a:xfrm>
             <a:off x="287280" y="3657600"/>
-            <a:ext cx="3466800" cy="2832840"/>
+            <a:ext cx="3466440" cy="2832840"/>
           </a:xfrm>
           <a:prstGeom prst="rect">
             <a:avLst/>
@@ -6181,7 +6181,7 @@
         <p:spPr>
           <a:xfrm>
             <a:off x="914400" y="1371600"/>
-            <a:ext cx="10501200" cy="4151160"/>
+            <a:ext cx="10500840" cy="4151160"/>
           </a:xfrm>
           <a:prstGeom prst="rect">
             <a:avLst/>
@@ -6202,7 +6202,7 @@
             <a:spAutoFit/>
           </a:bodyPr>
           <a:p>
-            <a:pPr marL="23760">
+            <a:pPr marL="23760" indent="-216000">
               <a:lnSpc>
                 <a:spcPct val="100000"/>
               </a:lnSpc>
@@ -6228,7 +6228,7 @@
             </a:endParaRPr>
           </a:p>
           <a:p>
-            <a:pPr marL="23760">
+            <a:pPr marL="23760" indent="-216000">
               <a:lnSpc>
                 <a:spcPct val="100000"/>
               </a:lnSpc>
@@ -6254,7 +6254,7 @@
             </a:endParaRPr>
           </a:p>
           <a:p>
-            <a:pPr marL="23760">
+            <a:pPr marL="23760" indent="-216000">
               <a:lnSpc>
                 <a:spcPct val="100000"/>
               </a:lnSpc>
@@ -6278,7 +6278,7 @@
             <a:r>
               <a:rPr b="0" lang="en-US" sz="2270" spc="-1" strike="noStrike" u="sng">
                 <a:solidFill>
-                  <a:srgbClr val="000000"/>
+                  <a:srgbClr val="0563c1"/>
                 </a:solidFill>
                 <a:uFillTx/>
                 <a:latin typeface="Arial"/>
@@ -6321,7 +6321,7 @@
             <a:r>
               <a:rPr b="0" lang="en-US" sz="2270" spc="-1" strike="noStrike" u="sng">
                 <a:solidFill>
-                  <a:srgbClr val="000000"/>
+                  <a:srgbClr val="0563c1"/>
                 </a:solidFill>
                 <a:uFillTx/>
                 <a:latin typeface="Arial"/>
@@ -6345,7 +6345,7 @@
             </a:endParaRPr>
           </a:p>
           <a:p>
-            <a:pPr marL="23760">
+            <a:pPr marL="23760" indent="-216000">
               <a:lnSpc>
                 <a:spcPct val="100000"/>
               </a:lnSpc>
@@ -6371,7 +6371,7 @@
             </a:endParaRPr>
           </a:p>
           <a:p>
-            <a:pPr marL="23760">
+            <a:pPr marL="23760" indent="-216000">
               <a:lnSpc>
                 <a:spcPct val="100000"/>
               </a:lnSpc>
@@ -6399,6 +6399,7 @@
                   <a:srgbClr val="000000"/>
                 </a:solidFill>
                 <a:latin typeface="Arial"/>
+                <a:ea typeface="DejaVu Sans"/>
               </a:rPr>
               <a:t> </a:t>
             </a:r>
@@ -6416,7 +6417,7 @@
             <a:r>
               <a:rPr b="0" lang="en-US" sz="2270" spc="-1" strike="noStrike" u="sng">
                 <a:solidFill>
-                  <a:srgbClr val="000000"/>
+                  <a:srgbClr val="0563c1"/>
                 </a:solidFill>
                 <a:uFillTx/>
                 <a:latin typeface="Arial"/>
@@ -6455,7 +6456,7 @@
         <p:spPr>
           <a:xfrm>
             <a:off x="259920" y="273240"/>
-            <a:ext cx="8167320" cy="930960"/>
+            <a:ext cx="8166960" cy="930600"/>
           </a:xfrm>
           <a:prstGeom prst="rect">
             <a:avLst/>
@@ -6477,7 +6478,7 @@
               <a:buNone/>
             </a:pPr>
             <a:r>
-              <a:rPr b="1" lang="en-US" sz="4810" spc="279" strike="noStrike" u="sng">
+              <a:rPr b="1" lang="en-US" sz="4810" spc="276" strike="noStrike" u="sng">
                 <a:solidFill>
                   <a:srgbClr val="000000"/>
                 </a:solidFill>
@@ -6502,7 +6503,7 @@
         <p:spPr>
           <a:xfrm>
             <a:off x="290160" y="4114800"/>
-            <a:ext cx="8167320" cy="930960"/>
+            <a:ext cx="8166960" cy="930600"/>
           </a:xfrm>
           <a:prstGeom prst="rect">
             <a:avLst/>
@@ -6529,18 +6530,51 @@
               </a:lnSpc>
               <a:buNone/>
             </a:pPr>
-            <a:r>
-              <a:rPr b="1" lang="en-US" sz="4810" spc="279" strike="noStrike" u="sng">
-                <a:solidFill>
-                  <a:srgbClr val="000000"/>
-                </a:solidFill>
-                <a:uFillTx/>
-                <a:latin typeface="Consolas"/>
-                <a:ea typeface="DejaVu Sans"/>
-              </a:rPr>
-              <a:t>Wykład dostępny online</a:t>
-            </a:r>
-            <a:endParaRPr b="0" lang="en-US" sz="4810" spc="-1" strike="noStrike">
+            <a:endParaRPr b="0" lang="en-US" sz="1800" spc="-1" strike="noStrike">
+              <a:latin typeface="Arial"/>
+            </a:endParaRPr>
+          </a:p>
+          <a:p>
+            <a:pPr marL="44280">
+              <a:lnSpc>
+                <a:spcPct val="90000"/>
+              </a:lnSpc>
+              <a:buNone/>
+            </a:pPr>
+            <a:endParaRPr b="0" lang="en-US" sz="1800" spc="-1" strike="noStrike">
+              <a:latin typeface="Arial"/>
+            </a:endParaRPr>
+          </a:p>
+          <a:p>
+            <a:pPr marL="44280">
+              <a:lnSpc>
+                <a:spcPct val="90000"/>
+              </a:lnSpc>
+              <a:buNone/>
+            </a:pPr>
+            <a:endParaRPr b="0" lang="en-US" sz="1800" spc="-1" strike="noStrike">
+              <a:latin typeface="Arial"/>
+            </a:endParaRPr>
+          </a:p>
+          <a:p>
+            <a:pPr marL="44280">
+              <a:lnSpc>
+                <a:spcPct val="90000"/>
+              </a:lnSpc>
+              <a:buNone/>
+            </a:pPr>
+            <a:endParaRPr b="0" lang="en-US" sz="1800" spc="-1" strike="noStrike">
+              <a:latin typeface="Arial"/>
+            </a:endParaRPr>
+          </a:p>
+          <a:p>
+            <a:pPr marL="44280">
+              <a:lnSpc>
+                <a:spcPct val="90000"/>
+              </a:lnSpc>
+              <a:buNone/>
+            </a:pPr>
+            <a:endParaRPr b="0" lang="en-US" sz="1800" spc="-1" strike="noStrike">
               <a:latin typeface="Arial"/>
             </a:endParaRPr>
           </a:p>
@@ -6589,7 +6623,7 @@
         <p:spPr>
           <a:xfrm>
             <a:off x="287280" y="64800"/>
-            <a:ext cx="11616120" cy="543600"/>
+            <a:ext cx="11615760" cy="543240"/>
           </a:xfrm>
           <a:prstGeom prst="rect">
             <a:avLst/>
@@ -6611,7 +6645,7 @@
               <a:buNone/>
             </a:pPr>
             <a:r>
-              <a:rPr b="1" lang="en-US" sz="3200" spc="279" strike="noStrike">
+              <a:rPr b="1" lang="en-US" sz="3200" spc="276" strike="noStrike">
                 <a:solidFill>
                   <a:srgbClr val="000000"/>
                 </a:solidFill>
@@ -6635,7 +6669,7 @@
         <p:spPr>
           <a:xfrm>
             <a:off x="287280" y="4765320"/>
-            <a:ext cx="11314080" cy="394560"/>
+            <a:ext cx="11313720" cy="394560"/>
           </a:xfrm>
           <a:prstGeom prst="rect">
             <a:avLst/>
@@ -6687,7 +6721,7 @@
         <p:spPr>
           <a:xfrm>
             <a:off x="287280" y="5165640"/>
-            <a:ext cx="10270440" cy="363960"/>
+            <a:ext cx="10270080" cy="363960"/>
           </a:xfrm>
           <a:prstGeom prst="rect">
             <a:avLst/>
@@ -6740,7 +6774,7 @@
         <p:spPr>
           <a:xfrm>
             <a:off x="287280" y="5904720"/>
-            <a:ext cx="11314080" cy="699480"/>
+            <a:ext cx="11313720" cy="699480"/>
           </a:xfrm>
           <a:prstGeom prst="rect">
             <a:avLst/>
@@ -6796,7 +6830,7 @@
         <p:spPr>
           <a:xfrm>
             <a:off x="2405520" y="675720"/>
-            <a:ext cx="8005680" cy="4022640"/>
+            <a:ext cx="8005320" cy="4022280"/>
           </a:xfrm>
           <a:prstGeom prst="rect">
             <a:avLst/>
@@ -6849,7 +6883,7 @@
         <p:spPr>
           <a:xfrm>
             <a:off x="716760" y="194040"/>
-            <a:ext cx="9309240" cy="930960"/>
+            <a:ext cx="9308880" cy="930600"/>
           </a:xfrm>
           <a:prstGeom prst="rect">
             <a:avLst/>
@@ -6861,7 +6895,7 @@
         </p:spPr>
         <p:txBody>
           <a:bodyPr lIns="90000" rIns="90000" tIns="190440" bIns="45000" anchor="ctr">
-            <a:normAutofit fontScale="87000"/>
+            <a:normAutofit fontScale="94000"/>
           </a:bodyPr>
           <a:p>
             <a:pPr marL="44280">
@@ -6871,7 +6905,7 @@
               <a:buNone/>
             </a:pPr>
             <a:r>
-              <a:rPr b="1" lang="en-US" sz="4810" spc="279" strike="noStrike">
+              <a:rPr b="1" lang="en-US" sz="4810" spc="276" strike="noStrike">
                 <a:solidFill>
                   <a:srgbClr val="000000"/>
                 </a:solidFill>
@@ -6895,7 +6929,7 @@
         <p:spPr>
           <a:xfrm>
             <a:off x="716760" y="1683000"/>
-            <a:ext cx="11023560" cy="4497120"/>
+            <a:ext cx="11023200" cy="4497120"/>
           </a:xfrm>
           <a:prstGeom prst="rect">
             <a:avLst/>
@@ -7157,7 +7191,7 @@
         <p:spPr>
           <a:xfrm>
             <a:off x="10176120" y="129240"/>
-            <a:ext cx="1407600" cy="1407600"/>
+            <a:ext cx="1407240" cy="1407240"/>
           </a:xfrm>
           <a:prstGeom prst="rect">
             <a:avLst/>
@@ -7210,7 +7244,7 @@
         <p:spPr>
           <a:xfrm>
             <a:off x="711000" y="194040"/>
-            <a:ext cx="10942200" cy="1291680"/>
+            <a:ext cx="10941840" cy="1291320"/>
           </a:xfrm>
           <a:prstGeom prst="rect">
             <a:avLst/>
@@ -7232,7 +7266,7 @@
               <a:buNone/>
             </a:pPr>
             <a:r>
-              <a:rPr b="1" lang="en-US" sz="4808" spc="279" strike="noStrike" baseline="-18000">
+              <a:rPr b="1" lang="en-US" sz="4808" spc="276" strike="noStrike" baseline="-18000">
                 <a:solidFill>
                   <a:srgbClr val="000000"/>
                 </a:solidFill>
@@ -7256,7 +7290,7 @@
         <p:spPr>
           <a:xfrm>
             <a:off x="711000" y="1867680"/>
-            <a:ext cx="11023560" cy="3805200"/>
+            <a:ext cx="11023200" cy="3805200"/>
           </a:xfrm>
           <a:prstGeom prst="rect">
             <a:avLst/>
@@ -7550,7 +7584,7 @@
         <p:spPr>
           <a:xfrm>
             <a:off x="1540440" y="3153240"/>
-            <a:ext cx="9150480" cy="546480"/>
+            <a:ext cx="9150120" cy="546480"/>
           </a:xfrm>
           <a:prstGeom prst="rect">
             <a:avLst/>
@@ -7606,7 +7640,7 @@
         <p:spPr>
           <a:xfrm>
             <a:off x="7395480" y="3561480"/>
-            <a:ext cx="26280" cy="62280"/>
+            <a:ext cx="25920" cy="62280"/>
           </a:xfrm>
           <a:prstGeom prst="rect">
             <a:avLst/>
@@ -7692,7 +7726,7 @@
         <p:spPr>
           <a:xfrm>
             <a:off x="838080" y="365040"/>
-            <a:ext cx="10514520" cy="1324440"/>
+            <a:ext cx="10514160" cy="1324080"/>
           </a:xfrm>
           <a:prstGeom prst="rect">
             <a:avLst/>
@@ -7743,7 +7777,7 @@
         <p:spPr>
           <a:xfrm>
             <a:off x="838080" y="1345320"/>
-            <a:ext cx="10514520" cy="4350240"/>
+            <a:ext cx="10514160" cy="4349880"/>
           </a:xfrm>
           <a:prstGeom prst="rect">
             <a:avLst/>
@@ -7994,7 +8028,7 @@
         <p:spPr>
           <a:xfrm>
             <a:off x="919080" y="1462320"/>
-            <a:ext cx="10501200" cy="2421360"/>
+            <a:ext cx="10500840" cy="2421360"/>
           </a:xfrm>
           <a:prstGeom prst="rect">
             <a:avLst/>
@@ -8173,7 +8207,7 @@
         <p:spPr>
           <a:xfrm>
             <a:off x="865800" y="5210280"/>
-            <a:ext cx="8963280" cy="415440"/>
+            <a:ext cx="8962920" cy="415440"/>
           </a:xfrm>
           <a:prstGeom prst="rect">
             <a:avLst/>
@@ -8241,7 +8275,7 @@
         <p:spPr>
           <a:xfrm>
             <a:off x="259920" y="273240"/>
-            <a:ext cx="8167320" cy="930960"/>
+            <a:ext cx="8166960" cy="930600"/>
           </a:xfrm>
           <a:prstGeom prst="rect">
             <a:avLst/>
@@ -8263,7 +8297,7 @@
               <a:buNone/>
             </a:pPr>
             <a:r>
-              <a:rPr b="1" lang="en-US" sz="4810" spc="279" strike="noStrike" u="sng">
+              <a:rPr b="1" lang="en-US" sz="4810" spc="276" strike="noStrike" u="sng">
                 <a:solidFill>
                   <a:srgbClr val="000000"/>
                 </a:solidFill>
@@ -8288,7 +8322,7 @@
         <p:spPr>
           <a:xfrm>
             <a:off x="290160" y="4114800"/>
-            <a:ext cx="8167320" cy="930960"/>
+            <a:ext cx="8166960" cy="930600"/>
           </a:xfrm>
           <a:prstGeom prst="rect">
             <a:avLst/>
@@ -8316,7 +8350,7 @@
               <a:buNone/>
             </a:pPr>
             <a:r>
-              <a:rPr b="1" lang="en-US" sz="4810" spc="279" strike="noStrike" u="sng">
+              <a:rPr b="1" lang="en-US" sz="4810" spc="276" strike="noStrike" u="sng">
                 <a:solidFill>
                   <a:srgbClr val="000000"/>
                 </a:solidFill>
@@ -8371,7 +8405,7 @@
         <p:spPr>
           <a:xfrm>
             <a:off x="1619640" y="615240"/>
-            <a:ext cx="7767360" cy="636840"/>
+            <a:ext cx="7767000" cy="636840"/>
           </a:xfrm>
           <a:prstGeom prst="rect">
             <a:avLst/>
@@ -8402,7 +8436,7 @@
               </a:tabLst>
             </a:pPr>
             <a:r>
-              <a:rPr b="1" lang="en-US" sz="4180" spc="248" strike="noStrike" u="sng">
+              <a:rPr b="1" lang="en-US" sz="4180" spc="245" strike="noStrike" u="sng">
                 <a:solidFill>
                   <a:srgbClr val="000000"/>
                 </a:solidFill>
@@ -8427,7 +8461,7 @@
         <p:spPr>
           <a:xfrm>
             <a:off x="1619640" y="1735920"/>
-            <a:ext cx="9509040" cy="3412440"/>
+            <a:ext cx="9508680" cy="3412440"/>
           </a:xfrm>
           <a:prstGeom prst="rect">
             <a:avLst/>
@@ -8832,7 +8866,7 @@
         <p:spPr>
           <a:xfrm>
             <a:off x="888840" y="362160"/>
-            <a:ext cx="10960560" cy="930960"/>
+            <a:ext cx="10960200" cy="930600"/>
           </a:xfrm>
           <a:prstGeom prst="rect">
             <a:avLst/>
@@ -8854,7 +8888,7 @@
               <a:buNone/>
             </a:pPr>
             <a:r>
-              <a:rPr b="1" lang="en-US" sz="4810" spc="279" strike="noStrike">
+              <a:rPr b="1" lang="en-US" sz="4810" spc="276" strike="noStrike">
                 <a:solidFill>
                   <a:srgbClr val="000000"/>
                 </a:solidFill>
@@ -8878,7 +8912,7 @@
         <p:spPr>
           <a:xfrm>
             <a:off x="1118160" y="1857600"/>
-            <a:ext cx="10501200" cy="3113280"/>
+            <a:ext cx="10500840" cy="3113280"/>
           </a:xfrm>
           <a:prstGeom prst="rect">
             <a:avLst/>
@@ -9168,7 +9202,7 @@
         <p:spPr>
           <a:xfrm>
             <a:off x="888840" y="362160"/>
-            <a:ext cx="8963280" cy="930960"/>
+            <a:ext cx="8962920" cy="930600"/>
           </a:xfrm>
           <a:prstGeom prst="rect">
             <a:avLst/>
@@ -9190,7 +9224,7 @@
               <a:buNone/>
             </a:pPr>
             <a:r>
-              <a:rPr b="1" lang="en-US" sz="4810" spc="279" strike="noStrike">
+              <a:rPr b="1" lang="en-US" sz="4810" spc="276" strike="noStrike">
                 <a:solidFill>
                   <a:srgbClr val="000000"/>
                 </a:solidFill>
@@ -9214,7 +9248,7 @@
         <p:spPr>
           <a:xfrm>
             <a:off x="1020600" y="1665360"/>
-            <a:ext cx="10501200" cy="4497120"/>
+            <a:ext cx="10500840" cy="4497120"/>
           </a:xfrm>
           <a:prstGeom prst="rect">
             <a:avLst/>
@@ -9506,7 +9540,7 @@
         <p:spPr>
           <a:xfrm>
             <a:off x="9060480" y="63000"/>
-            <a:ext cx="3011760" cy="1877400"/>
+            <a:ext cx="3011400" cy="1877040"/>
           </a:xfrm>
           <a:prstGeom prst="rect">
             <a:avLst/>
@@ -9559,7 +9593,7 @@
         <p:spPr>
           <a:xfrm>
             <a:off x="406440" y="362160"/>
-            <a:ext cx="11784600" cy="930960"/>
+            <a:ext cx="11784240" cy="930600"/>
           </a:xfrm>
           <a:prstGeom prst="rect">
             <a:avLst/>
@@ -9581,7 +9615,7 @@
               <a:buNone/>
             </a:pPr>
             <a:r>
-              <a:rPr b="1" lang="en-US" sz="4810" spc="279" strike="noStrike">
+              <a:rPr b="1" lang="en-US" sz="4810" spc="276" strike="noStrike">
                 <a:solidFill>
                   <a:srgbClr val="000000"/>
                 </a:solidFill>
@@ -9605,7 +9639,7 @@
         <p:spPr>
           <a:xfrm>
             <a:off x="687960" y="1978560"/>
-            <a:ext cx="11023560" cy="4843080"/>
+            <a:ext cx="11023200" cy="4843080"/>
           </a:xfrm>
           <a:prstGeom prst="rect">
             <a:avLst/>
@@ -9906,7 +9940,7 @@
         <p:spPr>
           <a:xfrm>
             <a:off x="9284400" y="0"/>
-            <a:ext cx="2890800" cy="1877760"/>
+            <a:ext cx="2890440" cy="1877400"/>
           </a:xfrm>
           <a:prstGeom prst="rect">
             <a:avLst/>
@@ -9959,7 +9993,7 @@
         <p:spPr>
           <a:xfrm>
             <a:off x="406440" y="362160"/>
-            <a:ext cx="11784600" cy="930960"/>
+            <a:ext cx="11784240" cy="930600"/>
           </a:xfrm>
           <a:prstGeom prst="rect">
             <a:avLst/>
@@ -9981,7 +10015,7 @@
               <a:buNone/>
             </a:pPr>
             <a:r>
-              <a:rPr b="1" lang="en-US" sz="4810" spc="279" strike="noStrike">
+              <a:rPr b="1" lang="en-US" sz="4810" spc="276" strike="noStrike">
                 <a:solidFill>
                   <a:srgbClr val="000000"/>
                 </a:solidFill>
@@ -10005,7 +10039,7 @@
         <p:spPr>
           <a:xfrm>
             <a:off x="687960" y="1978560"/>
-            <a:ext cx="11023560" cy="4497120"/>
+            <a:ext cx="11023200" cy="4497120"/>
           </a:xfrm>
           <a:prstGeom prst="rect">
             <a:avLst/>
@@ -10365,7 +10399,7 @@
         <p:spPr>
           <a:xfrm>
             <a:off x="9827640" y="80640"/>
-            <a:ext cx="2252520" cy="1494360"/>
+            <a:ext cx="2252160" cy="1494000"/>
           </a:xfrm>
           <a:prstGeom prst="rect">
             <a:avLst/>
@@ -10418,7 +10452,7 @@
         <p:spPr>
           <a:xfrm>
             <a:off x="2431080" y="194040"/>
-            <a:ext cx="7932960" cy="930960"/>
+            <a:ext cx="7932600" cy="930600"/>
           </a:xfrm>
           <a:prstGeom prst="rect">
             <a:avLst/>
@@ -10440,7 +10474,7 @@
               <a:buNone/>
             </a:pPr>
             <a:r>
-              <a:rPr b="1" lang="en-US" sz="4810" spc="279" strike="noStrike">
+              <a:rPr b="1" lang="en-US" sz="4810" spc="276" strike="noStrike">
                 <a:solidFill>
                   <a:srgbClr val="000000"/>
                 </a:solidFill>
@@ -10468,7 +10502,7 @@
         <p:spPr>
           <a:xfrm>
             <a:off x="10557000" y="0"/>
-            <a:ext cx="1707480" cy="1132560"/>
+            <a:ext cx="1707120" cy="1132200"/>
           </a:xfrm>
           <a:prstGeom prst="rect">
             <a:avLst/>
@@ -10491,7 +10525,7 @@
         <p:spPr>
           <a:xfrm>
             <a:off x="110880" y="50040"/>
-            <a:ext cx="2007360" cy="1303560"/>
+            <a:ext cx="2007000" cy="1303200"/>
           </a:xfrm>
           <a:prstGeom prst="rect">
             <a:avLst/>
@@ -10514,7 +10548,7 @@
         <p:spPr>
           <a:xfrm>
             <a:off x="2311200" y="1355040"/>
-            <a:ext cx="8053200" cy="5307840"/>
+            <a:ext cx="8052840" cy="5307480"/>
           </a:xfrm>
           <a:prstGeom prst="rect">
             <a:avLst/>

--- a/1_Infrastruktura_IT.pptx
+++ b/1_Infrastruktura_IT.pptx
@@ -86,7 +86,7 @@
         <p:txBody>
           <a:bodyPr/>
           <a:p>
-            <a:fld id="{88CEC82C-4806-4F3F-AC7B-8FD5CED9A9EF}" type="slidenum">
+            <a:fld id="{379EDD79-1ECC-4479-9DE4-16D5C3DB33F6}" type="slidenum">
               <a:t>&lt;#&gt;</a:t>
             </a:fld>
           </a:p>
@@ -274,7 +274,7 @@
         <p:txBody>
           <a:bodyPr/>
           <a:p>
-            <a:fld id="{3153A7EF-E4BE-489B-B27B-130C1AF27B9F}" type="slidenum">
+            <a:fld id="{D07D5924-F651-49AC-900D-87E3D0814DEE}" type="slidenum">
               <a:t>&lt;#&gt;</a:t>
             </a:fld>
           </a:p>
@@ -530,7 +530,7 @@
         <p:txBody>
           <a:bodyPr/>
           <a:p>
-            <a:fld id="{8E02E5DB-1649-4EB8-B03C-B5927B9C4AB3}" type="slidenum">
+            <a:fld id="{53C8E318-9D02-4454-B52E-6872DCBB1A5D}" type="slidenum">
               <a:t>&lt;#&gt;</a:t>
             </a:fld>
           </a:p>
@@ -854,7 +854,7 @@
         <p:txBody>
           <a:bodyPr/>
           <a:p>
-            <a:fld id="{B6BCA5A7-7753-4DD0-8F62-EE65647076F5}" type="slidenum">
+            <a:fld id="{91BF4D3B-272B-44AB-87C6-DC640F2302F2}" type="slidenum">
               <a:t>&lt;#&gt;</a:t>
             </a:fld>
           </a:p>
@@ -1011,7 +1011,7 @@
         <p:txBody>
           <a:bodyPr/>
           <a:p>
-            <a:fld id="{032F76A3-FA38-4ED8-B3C6-5DB49C7D7EC0}" type="slidenum">
+            <a:fld id="{1A0E7133-4C59-4305-A5E0-21AB48DF5366}" type="slidenum">
               <a:t>&lt;#&gt;</a:t>
             </a:fld>
           </a:p>
@@ -1165,7 +1165,7 @@
         <p:txBody>
           <a:bodyPr/>
           <a:p>
-            <a:fld id="{3E1F3204-AD39-4237-B0B7-2E0F22774A9E}" type="slidenum">
+            <a:fld id="{0A1CFB11-3827-438E-97E7-7CFC24CABA52}" type="slidenum">
               <a:t>&lt;#&gt;</a:t>
             </a:fld>
           </a:p>
@@ -1353,7 +1353,7 @@
         <p:txBody>
           <a:bodyPr/>
           <a:p>
-            <a:fld id="{B370E99B-A9DD-4CB1-8BA5-1DE832502CCD}" type="slidenum">
+            <a:fld id="{24D51BCC-544D-4A54-992E-82A62BB40A1C}" type="slidenum">
               <a:t>&lt;#&gt;</a:t>
             </a:fld>
           </a:p>
@@ -1473,7 +1473,7 @@
         <p:txBody>
           <a:bodyPr/>
           <a:p>
-            <a:fld id="{5D3C147B-96D7-4A12-B4F4-03757EC7C99B}" type="slidenum">
+            <a:fld id="{26FABAC7-E4EE-45E6-9D41-75850761C61A}" type="slidenum">
               <a:t>&lt;#&gt;</a:t>
             </a:fld>
           </a:p>
@@ -1593,7 +1593,7 @@
         <p:txBody>
           <a:bodyPr/>
           <a:p>
-            <a:fld id="{6956951A-DCF7-40E1-A22F-ED5527C583AE}" type="slidenum">
+            <a:fld id="{2B721D6C-6C6B-406A-B954-4F87CA9AA7D3}" type="slidenum">
               <a:t>&lt;#&gt;</a:t>
             </a:fld>
           </a:p>
@@ -1815,7 +1815,7 @@
         <p:txBody>
           <a:bodyPr/>
           <a:p>
-            <a:fld id="{D742F95F-0F33-4515-9D71-03D8D20D795C}" type="slidenum">
+            <a:fld id="{13DE8990-C221-441A-AB6E-D1A181A0CFA3}" type="slidenum">
               <a:t>&lt;#&gt;</a:t>
             </a:fld>
           </a:p>
@@ -2037,7 +2037,7 @@
         <p:txBody>
           <a:bodyPr/>
           <a:p>
-            <a:fld id="{0D1095A9-2445-4A31-A715-123D02F99F64}" type="slidenum">
+            <a:fld id="{12786131-C6D2-4F9B-B37A-93A209BAD43E}" type="slidenum">
               <a:t>&lt;#&gt;</a:t>
             </a:fld>
           </a:p>
@@ -2259,7 +2259,7 @@
         <p:txBody>
           <a:bodyPr/>
           <a:p>
-            <a:fld id="{C77B344C-8543-4DA0-9100-98632D67778E}" type="slidenum">
+            <a:fld id="{1FE5089C-65EF-4E2C-A988-2DE3F7E1BA2E}" type="slidenum">
               <a:t>&lt;#&gt;</a:t>
             </a:fld>
           </a:p>
@@ -2328,7 +2328,7 @@
         <p:spPr>
           <a:xfrm>
             <a:off x="4038480" y="6356520"/>
-            <a:ext cx="4113360" cy="363600"/>
+            <a:ext cx="4113000" cy="363240"/>
           </a:xfrm>
           <a:prstGeom prst="rect">
             <a:avLst/>
@@ -2393,7 +2393,7 @@
         <p:spPr>
           <a:xfrm>
             <a:off x="8610480" y="6356520"/>
-            <a:ext cx="2741760" cy="363600"/>
+            <a:ext cx="2741400" cy="363240"/>
           </a:xfrm>
           <a:prstGeom prst="rect">
             <a:avLst/>
@@ -2429,7 +2429,7 @@
               </a:lnSpc>
               <a:buNone/>
             </a:pPr>
-            <a:fld id="{B0554732-24F8-4CB7-B716-4F56FA1EF4B3}" type="slidenum">
+            <a:fld id="{D7010437-553A-491B-A2F2-17A76BC07926}" type="slidenum">
               <a:rPr b="0" lang="en-US" sz="1200" spc="-1" strike="noStrike">
                 <a:solidFill>
                   <a:srgbClr val="8b8b8b"/>
@@ -2458,7 +2458,7 @@
         <p:spPr>
           <a:xfrm>
             <a:off x="838080" y="6356520"/>
-            <a:ext cx="2741760" cy="363600"/>
+            <a:ext cx="2741400" cy="363240"/>
           </a:xfrm>
           <a:prstGeom prst="rect">
             <a:avLst/>
@@ -2776,7 +2776,7 @@
         <p:spPr>
           <a:xfrm>
             <a:off x="1491480" y="0"/>
-            <a:ext cx="9199080" cy="897480"/>
+            <a:ext cx="9198720" cy="897120"/>
           </a:xfrm>
           <a:prstGeom prst="rect">
             <a:avLst/>
@@ -2829,7 +2829,7 @@
         <p:spPr>
           <a:xfrm>
             <a:off x="1540440" y="4651200"/>
-            <a:ext cx="9150120" cy="546480"/>
+            <a:ext cx="9149760" cy="546480"/>
           </a:xfrm>
           <a:prstGeom prst="rect">
             <a:avLst/>
@@ -2885,7 +2885,7 @@
         <p:spPr>
           <a:xfrm>
             <a:off x="7395480" y="3561480"/>
-            <a:ext cx="25920" cy="62280"/>
+            <a:ext cx="25560" cy="62280"/>
           </a:xfrm>
           <a:prstGeom prst="rect">
             <a:avLst/>
@@ -2971,7 +2971,7 @@
         <p:spPr>
           <a:xfrm>
             <a:off x="2315520" y="151560"/>
-            <a:ext cx="7859880" cy="1294560"/>
+            <a:ext cx="7859520" cy="1294200"/>
           </a:xfrm>
           <a:prstGeom prst="rect">
             <a:avLst/>
@@ -2993,7 +2993,7 @@
               <a:buNone/>
             </a:pPr>
             <a:r>
-              <a:rPr b="1" lang="en-US" sz="3000" spc="276" strike="noStrike">
+              <a:rPr b="1" lang="en-US" sz="3000" spc="273" strike="noStrike">
                 <a:solidFill>
                   <a:srgbClr val="000000"/>
                 </a:solidFill>
@@ -3003,7 +3003,7 @@
               <a:t>Rozproszenie mi</a:t>
             </a:r>
             <a:r>
-              <a:rPr b="1" lang="pl-PL" sz="3000" spc="276" strike="noStrike">
+              <a:rPr b="1" lang="pl-PL" sz="3000" spc="273" strike="noStrike">
                 <a:solidFill>
                   <a:srgbClr val="000000"/>
                 </a:solidFill>
@@ -3031,7 +3031,7 @@
         <p:spPr>
           <a:xfrm>
             <a:off x="10373040" y="50040"/>
-            <a:ext cx="1707120" cy="1132200"/>
+            <a:ext cx="1706760" cy="1131840"/>
           </a:xfrm>
           <a:prstGeom prst="rect">
             <a:avLst/>
@@ -3054,7 +3054,7 @@
         <p:spPr>
           <a:xfrm>
             <a:off x="110880" y="50040"/>
-            <a:ext cx="2007000" cy="1303200"/>
+            <a:ext cx="2006640" cy="1302840"/>
           </a:xfrm>
           <a:prstGeom prst="rect">
             <a:avLst/>
@@ -3073,7 +3073,7 @@
         <p:spPr>
           <a:xfrm>
             <a:off x="711000" y="1710720"/>
-            <a:ext cx="11023200" cy="3805200"/>
+            <a:ext cx="11022840" cy="3805200"/>
           </a:xfrm>
           <a:prstGeom prst="rect">
             <a:avLst/>
@@ -3338,7 +3338,7 @@
         <p:spPr>
           <a:xfrm>
             <a:off x="287280" y="64800"/>
-            <a:ext cx="11615760" cy="826920"/>
+            <a:ext cx="11615400" cy="826560"/>
           </a:xfrm>
           <a:prstGeom prst="rect">
             <a:avLst/>
@@ -3360,7 +3360,7 @@
               <a:buNone/>
             </a:pPr>
             <a:r>
-              <a:rPr b="1" lang="pl-PL" sz="3200" spc="276" strike="noStrike">
+              <a:rPr b="1" lang="pl-PL" sz="3200" spc="273" strike="noStrike">
                 <a:solidFill>
                   <a:srgbClr val="000000"/>
                 </a:solidFill>
@@ -3384,7 +3384,7 @@
         <p:spPr>
           <a:xfrm>
             <a:off x="462600" y="1805400"/>
-            <a:ext cx="4779360" cy="1614240"/>
+            <a:ext cx="4779000" cy="1614240"/>
           </a:xfrm>
           <a:prstGeom prst="rect">
             <a:avLst/>
@@ -3570,7 +3570,7 @@
         <p:spPr>
           <a:xfrm>
             <a:off x="5713200" y="1116360"/>
-            <a:ext cx="4436640" cy="5059440"/>
+            <a:ext cx="4436280" cy="5059080"/>
           </a:xfrm>
           <a:prstGeom prst="rect">
             <a:avLst/>
@@ -3623,7 +3623,7 @@
         <p:spPr>
           <a:xfrm>
             <a:off x="287280" y="64800"/>
-            <a:ext cx="11615760" cy="926280"/>
+            <a:ext cx="11615400" cy="925920"/>
           </a:xfrm>
           <a:prstGeom prst="rect">
             <a:avLst/>
@@ -3645,7 +3645,7 @@
               <a:buNone/>
             </a:pPr>
             <a:r>
-              <a:rPr b="1" lang="pl-PL" sz="2900" spc="276" strike="noStrike">
+              <a:rPr b="1" lang="pl-PL" sz="2900" spc="273" strike="noStrike">
                 <a:solidFill>
                   <a:srgbClr val="000000"/>
                 </a:solidFill>
@@ -3673,7 +3673,7 @@
         <p:spPr>
           <a:xfrm>
             <a:off x="1428480" y="1357920"/>
-            <a:ext cx="9519840" cy="4141080"/>
+            <a:ext cx="9519480" cy="4140720"/>
           </a:xfrm>
           <a:prstGeom prst="rect">
             <a:avLst/>
@@ -3692,7 +3692,7 @@
         <p:spPr>
           <a:xfrm>
             <a:off x="374040" y="4245120"/>
-            <a:ext cx="8514360" cy="2558520"/>
+            <a:ext cx="8514000" cy="2558520"/>
           </a:xfrm>
           <a:prstGeom prst="rect">
             <a:avLst/>
@@ -3843,7 +3843,7 @@
         <p:spPr>
           <a:xfrm>
             <a:off x="287280" y="64800"/>
-            <a:ext cx="11615760" cy="1062360"/>
+            <a:ext cx="11615400" cy="1062000"/>
           </a:xfrm>
           <a:prstGeom prst="rect">
             <a:avLst/>
@@ -3865,7 +3865,7 @@
               <a:buNone/>
             </a:pPr>
             <a:r>
-              <a:rPr b="1" lang="pl-PL" sz="3200" spc="276" strike="noStrike">
+              <a:rPr b="1" lang="pl-PL" sz="3200" spc="273" strike="noStrike">
                 <a:solidFill>
                   <a:srgbClr val="000000"/>
                 </a:solidFill>
@@ -3893,7 +3893,7 @@
         <p:spPr>
           <a:xfrm>
             <a:off x="1457640" y="1357920"/>
-            <a:ext cx="9519840" cy="4141080"/>
+            <a:ext cx="9519480" cy="4140720"/>
           </a:xfrm>
           <a:prstGeom prst="rect">
             <a:avLst/>
@@ -3912,7 +3912,7 @@
         <p:spPr>
           <a:xfrm>
             <a:off x="367560" y="4751640"/>
-            <a:ext cx="8514360" cy="2009880"/>
+            <a:ext cx="8514000" cy="2009880"/>
           </a:xfrm>
           <a:prstGeom prst="rect">
             <a:avLst/>
@@ -4069,7 +4069,7 @@
         <p:spPr>
           <a:xfrm>
             <a:off x="1486800" y="609480"/>
-            <a:ext cx="9519840" cy="4141080"/>
+            <a:ext cx="9519480" cy="4140720"/>
           </a:xfrm>
           <a:prstGeom prst="rect">
             <a:avLst/>
@@ -4088,7 +4088,7 @@
         <p:spPr>
           <a:xfrm>
             <a:off x="406440" y="3620520"/>
-            <a:ext cx="8514360" cy="3107160"/>
+            <a:ext cx="8514000" cy="3107160"/>
           </a:xfrm>
           <a:prstGeom prst="rect">
             <a:avLst/>
@@ -4215,7 +4215,7 @@
         <p:spPr>
           <a:xfrm>
             <a:off x="287280" y="64800"/>
-            <a:ext cx="11615760" cy="1062360"/>
+            <a:ext cx="11615400" cy="1062000"/>
           </a:xfrm>
           <a:prstGeom prst="rect">
             <a:avLst/>
@@ -4243,7 +4243,7 @@
               <a:buNone/>
             </a:pPr>
             <a:r>
-              <a:rPr b="1" lang="pl-PL" sz="3200" spc="276" strike="noStrike">
+              <a:rPr b="1" lang="pl-PL" sz="3200" spc="273" strike="noStrike">
                 <a:solidFill>
                   <a:srgbClr val="000000"/>
                 </a:solidFill>
@@ -4301,7 +4301,7 @@
         <p:spPr>
           <a:xfrm>
             <a:off x="1486800" y="609480"/>
-            <a:ext cx="9519840" cy="4141080"/>
+            <a:ext cx="9519480" cy="4140720"/>
           </a:xfrm>
           <a:prstGeom prst="rect">
             <a:avLst/>
@@ -4320,7 +4320,7 @@
         <p:spPr>
           <a:xfrm>
             <a:off x="406440" y="3620520"/>
-            <a:ext cx="8514360" cy="2284200"/>
+            <a:ext cx="8514000" cy="2284200"/>
           </a:xfrm>
           <a:prstGeom prst="rect">
             <a:avLst/>
@@ -4534,7 +4534,7 @@
         <p:spPr>
           <a:xfrm>
             <a:off x="287280" y="64800"/>
-            <a:ext cx="11615760" cy="1062360"/>
+            <a:ext cx="11615400" cy="1062000"/>
           </a:xfrm>
           <a:prstGeom prst="rect">
             <a:avLst/>
@@ -4562,7 +4562,7 @@
               <a:buNone/>
             </a:pPr>
             <a:r>
-              <a:rPr b="1" lang="pl-PL" sz="3200" spc="276" strike="noStrike">
+              <a:rPr b="1" lang="pl-PL" sz="3200" spc="273" strike="noStrike">
                 <a:solidFill>
                   <a:srgbClr val="000000"/>
                 </a:solidFill>
@@ -4620,7 +4620,7 @@
         <p:spPr>
           <a:xfrm>
             <a:off x="753840" y="0"/>
-            <a:ext cx="10683000" cy="1460880"/>
+            <a:ext cx="10682640" cy="1460520"/>
           </a:xfrm>
           <a:prstGeom prst="rect">
             <a:avLst/>
@@ -4642,7 +4642,7 @@
               <a:buNone/>
             </a:pPr>
             <a:r>
-              <a:rPr b="1" lang="en-US" sz="4808" spc="276" strike="noStrike" baseline="-18000">
+              <a:rPr b="1" lang="en-US" sz="4808" spc="273" strike="noStrike" baseline="-18000">
                 <a:solidFill>
                   <a:srgbClr val="000000"/>
                 </a:solidFill>
@@ -4670,7 +4670,7 @@
         <p:spPr>
           <a:xfrm>
             <a:off x="1670760" y="1461960"/>
-            <a:ext cx="8849160" cy="3582720"/>
+            <a:ext cx="8848800" cy="3582360"/>
           </a:xfrm>
           <a:prstGeom prst="rect">
             <a:avLst/>
@@ -4689,7 +4689,7 @@
         <p:spPr>
           <a:xfrm>
             <a:off x="753840" y="5279760"/>
-            <a:ext cx="11054520" cy="1461240"/>
+            <a:ext cx="11054160" cy="1461240"/>
           </a:xfrm>
           <a:prstGeom prst="rect">
             <a:avLst/>
@@ -4944,7 +4944,7 @@
         <p:spPr>
           <a:xfrm>
             <a:off x="287280" y="0"/>
-            <a:ext cx="11615760" cy="916920"/>
+            <a:ext cx="11615400" cy="916560"/>
           </a:xfrm>
           <a:prstGeom prst="rect">
             <a:avLst/>
@@ -4966,7 +4966,7 @@
               <a:buNone/>
             </a:pPr>
             <a:r>
-              <a:rPr b="1" lang="pl-PL" sz="3200" spc="276" strike="noStrike">
+              <a:rPr b="1" lang="pl-PL" sz="3200" spc="273" strike="noStrike">
                 <a:solidFill>
                   <a:srgbClr val="000000"/>
                 </a:solidFill>
@@ -4976,7 +4976,7 @@
               <a:t>Internet a sieć</a:t>
             </a:r>
             <a:r>
-              <a:rPr b="1" lang="en-US" sz="3200" spc="276" strike="noStrike">
+              <a:rPr b="1" lang="en-US" sz="3200" spc="273" strike="noStrike">
                 <a:solidFill>
                   <a:srgbClr val="000000"/>
                 </a:solidFill>
@@ -4986,7 +4986,7 @@
               <a:t> </a:t>
             </a:r>
             <a:r>
-              <a:rPr b="1" lang="pl-PL" sz="3200" spc="276" strike="noStrike">
+              <a:rPr b="1" lang="pl-PL" sz="3200" spc="273" strike="noStrike">
                 <a:solidFill>
                   <a:srgbClr val="000000"/>
                 </a:solidFill>
@@ -4996,7 +4996,7 @@
               <a:t>lokalna</a:t>
             </a:r>
             <a:r>
-              <a:rPr b="1" lang="en-US" sz="3200" spc="276" strike="noStrike">
+              <a:rPr b="1" lang="en-US" sz="3200" spc="273" strike="noStrike">
                 <a:solidFill>
                   <a:srgbClr val="000000"/>
                 </a:solidFill>
@@ -5020,7 +5020,7 @@
         <p:spPr>
           <a:xfrm>
             <a:off x="287280" y="918360"/>
-            <a:ext cx="10934280" cy="2529000"/>
+            <a:ext cx="10933920" cy="2529000"/>
           </a:xfrm>
           <a:prstGeom prst="rect">
             <a:avLst/>
@@ -5241,7 +5241,7 @@
         <p:spPr>
           <a:xfrm>
             <a:off x="4971600" y="3458880"/>
-            <a:ext cx="6931800" cy="3482640"/>
+            <a:ext cx="6931440" cy="3482280"/>
           </a:xfrm>
           <a:prstGeom prst="rect">
             <a:avLst/>
@@ -5260,7 +5260,7 @@
         <p:spPr>
           <a:xfrm>
             <a:off x="287280" y="2988720"/>
-            <a:ext cx="4285800" cy="638280"/>
+            <a:ext cx="4285440" cy="638280"/>
           </a:xfrm>
           <a:prstGeom prst="rect">
             <a:avLst/>
@@ -5375,7 +5375,7 @@
         <p:spPr>
           <a:xfrm>
             <a:off x="287280" y="0"/>
-            <a:ext cx="11615760" cy="916920"/>
+            <a:ext cx="11615400" cy="916560"/>
           </a:xfrm>
           <a:prstGeom prst="rect">
             <a:avLst/>
@@ -5397,7 +5397,7 @@
               <a:buNone/>
             </a:pPr>
             <a:r>
-              <a:rPr b="1" lang="pl-PL" sz="3200" spc="276" strike="noStrike">
+              <a:rPr b="1" lang="pl-PL" sz="3200" spc="273" strike="noStrike">
                 <a:solidFill>
                   <a:srgbClr val="000000"/>
                 </a:solidFill>
@@ -5407,7 +5407,7 @@
               <a:t>Internet a sieć</a:t>
             </a:r>
             <a:r>
-              <a:rPr b="1" lang="en-US" sz="3200" spc="276" strike="noStrike">
+              <a:rPr b="1" lang="en-US" sz="3200" spc="273" strike="noStrike">
                 <a:solidFill>
                   <a:srgbClr val="000000"/>
                 </a:solidFill>
@@ -5417,7 +5417,7 @@
               <a:t> </a:t>
             </a:r>
             <a:r>
-              <a:rPr b="1" lang="pl-PL" sz="3200" spc="276" strike="noStrike">
+              <a:rPr b="1" lang="pl-PL" sz="3200" spc="273" strike="noStrike">
                 <a:solidFill>
                   <a:srgbClr val="000000"/>
                 </a:solidFill>
@@ -5427,7 +5427,7 @@
               <a:t>lokalna</a:t>
             </a:r>
             <a:r>
-              <a:rPr b="1" lang="en-US" sz="3200" spc="276" strike="noStrike">
+              <a:rPr b="1" lang="en-US" sz="3200" spc="273" strike="noStrike">
                 <a:solidFill>
                   <a:srgbClr val="000000"/>
                 </a:solidFill>
@@ -5451,7 +5451,7 @@
         <p:spPr>
           <a:xfrm>
             <a:off x="287280" y="1177200"/>
-            <a:ext cx="10934280" cy="2833920"/>
+            <a:ext cx="10933920" cy="2833920"/>
           </a:xfrm>
           <a:prstGeom prst="rect">
             <a:avLst/>
@@ -5659,7 +5659,7 @@
         <p:spPr>
           <a:xfrm>
             <a:off x="4971600" y="3458880"/>
-            <a:ext cx="6931800" cy="3482640"/>
+            <a:ext cx="6931440" cy="3482280"/>
           </a:xfrm>
           <a:prstGeom prst="rect">
             <a:avLst/>
@@ -5678,7 +5678,7 @@
         <p:spPr>
           <a:xfrm>
             <a:off x="396720" y="4209840"/>
-            <a:ext cx="4122000" cy="1735560"/>
+            <a:ext cx="4121640" cy="1735560"/>
           </a:xfrm>
           <a:prstGeom prst="rect">
             <a:avLst/>
@@ -5764,7 +5764,7 @@
         <p:spPr>
           <a:xfrm>
             <a:off x="287280" y="0"/>
-            <a:ext cx="11615760" cy="916920"/>
+            <a:ext cx="11615400" cy="916560"/>
           </a:xfrm>
           <a:prstGeom prst="rect">
             <a:avLst/>
@@ -5786,7 +5786,7 @@
               <a:buNone/>
             </a:pPr>
             <a:r>
-              <a:rPr b="1" lang="pl-PL" sz="3200" spc="276" strike="noStrike">
+              <a:rPr b="1" lang="pl-PL" sz="3200" spc="273" strike="noStrike">
                 <a:solidFill>
                   <a:srgbClr val="000000"/>
                 </a:solidFill>
@@ -5796,7 +5796,7 @@
               <a:t>Internet a sieć</a:t>
             </a:r>
             <a:r>
-              <a:rPr b="1" lang="en-US" sz="3200" spc="276" strike="noStrike">
+              <a:rPr b="1" lang="en-US" sz="3200" spc="273" strike="noStrike">
                 <a:solidFill>
                   <a:srgbClr val="000000"/>
                 </a:solidFill>
@@ -5806,7 +5806,7 @@
               <a:t> </a:t>
             </a:r>
             <a:r>
-              <a:rPr b="1" lang="pl-PL" sz="3200" spc="276" strike="noStrike">
+              <a:rPr b="1" lang="pl-PL" sz="3200" spc="273" strike="noStrike">
                 <a:solidFill>
                   <a:srgbClr val="000000"/>
                 </a:solidFill>
@@ -5816,7 +5816,7 @@
               <a:t>lokalna</a:t>
             </a:r>
             <a:r>
-              <a:rPr b="1" lang="en-US" sz="3200" spc="276" strike="noStrike">
+              <a:rPr b="1" lang="en-US" sz="3200" spc="273" strike="noStrike">
                 <a:solidFill>
                   <a:srgbClr val="000000"/>
                 </a:solidFill>
@@ -5840,7 +5840,7 @@
         <p:spPr>
           <a:xfrm>
             <a:off x="287280" y="1177200"/>
-            <a:ext cx="10934280" cy="2224080"/>
+            <a:ext cx="10933920" cy="2224080"/>
           </a:xfrm>
           <a:prstGeom prst="rect">
             <a:avLst/>
@@ -6018,7 +6018,7 @@
         <p:spPr>
           <a:xfrm>
             <a:off x="4971600" y="3458880"/>
-            <a:ext cx="6931800" cy="3482640"/>
+            <a:ext cx="6931440" cy="3482280"/>
           </a:xfrm>
           <a:prstGeom prst="rect">
             <a:avLst/>
@@ -6037,7 +6037,7 @@
         <p:spPr>
           <a:xfrm>
             <a:off x="287280" y="3657600"/>
-            <a:ext cx="3466440" cy="2832840"/>
+            <a:ext cx="3466080" cy="2832840"/>
           </a:xfrm>
           <a:prstGeom prst="rect">
             <a:avLst/>
@@ -6124,7 +6124,7 @@
                 <a:latin typeface="Calibri"/>
                 <a:ea typeface="DejaVu Sans"/>
               </a:rPr>
-              <a:t>Przykładowo, 192.168.0.102 najprawdopodobniej może swobodnie połączyć się z 192.168.0.1 na port 445</a:t>
+              <a:t>Przykładowo, 192.168.0.102 najprawdopodobniej może swobodnie połączyć się z 192.168.0.101 na port 445</a:t>
             </a:r>
             <a:r>
               <a:rPr b="0" lang="en-US" sz="1800" spc="-1" strike="noStrike">
@@ -6181,7 +6181,7 @@
         <p:spPr>
           <a:xfrm>
             <a:off x="914400" y="1371600"/>
-            <a:ext cx="10500840" cy="4151160"/>
+            <a:ext cx="10500480" cy="4151160"/>
           </a:xfrm>
           <a:prstGeom prst="rect">
             <a:avLst/>
@@ -6221,7 +6221,17 @@
                 <a:latin typeface="Arial"/>
                 <a:ea typeface="DejaVu Sans"/>
               </a:rPr>
-              <a:t>11 lat w IT security</a:t>
+              <a:t> </a:t>
+            </a:r>
+            <a:r>
+              <a:rPr b="1" lang="en-US" sz="2270" spc="-1" strike="noStrike">
+                <a:solidFill>
+                  <a:srgbClr val="000000"/>
+                </a:solidFill>
+                <a:latin typeface="Arial"/>
+                <a:ea typeface="DejaVu Sans"/>
+              </a:rPr>
+              <a:t>12 lat pełnoetatowego doświadczenia w cybersecurity</a:t>
             </a:r>
             <a:endParaRPr b="0" lang="en-US" sz="2270" spc="-1" strike="noStrike">
               <a:latin typeface="Arial"/>
@@ -6247,7 +6257,17 @@
                 <a:latin typeface="Arial"/>
                 <a:ea typeface="DejaVu Sans"/>
               </a:rPr>
-              <a:t>Od 4 lat w Atosie (rok CSIRT, od 3 lat RED TEAM)</a:t>
+              <a:t> </a:t>
+            </a:r>
+            <a:r>
+              <a:rPr b="1" lang="en-US" sz="2270" spc="-1" strike="noStrike">
+                <a:solidFill>
+                  <a:srgbClr val="000000"/>
+                </a:solidFill>
+                <a:latin typeface="Arial"/>
+                <a:ea typeface="DejaVu Sans"/>
+              </a:rPr>
+              <a:t>Od ponad 5 lat w Atosie (Blue Team, Red Team), wcześniej Pentest Limited, ING Services Polska</a:t>
             </a:r>
             <a:endParaRPr b="0" lang="en-US" sz="2270" spc="-1" strike="noStrike">
               <a:latin typeface="Arial"/>
@@ -6273,7 +6293,43 @@
                 <a:latin typeface="Arial"/>
                 <a:ea typeface="DejaVu Sans"/>
               </a:rPr>
-              <a:t>Autor narzędzi </a:t>
+              <a:t> </a:t>
+            </a:r>
+            <a:r>
+              <a:rPr b="1" lang="en-US" sz="2270" spc="-1" strike="noStrike">
+                <a:solidFill>
+                  <a:srgbClr val="000000"/>
+                </a:solidFill>
+                <a:latin typeface="Arial"/>
+                <a:ea typeface="DejaVu Sans"/>
+              </a:rPr>
+              <a:t>Autor</a:t>
+            </a:r>
+            <a:endParaRPr b="0" lang="en-US" sz="2270" spc="-1" strike="noStrike">
+              <a:latin typeface="Arial"/>
+            </a:endParaRPr>
+          </a:p>
+          <a:p>
+            <a:pPr lvl="1" marL="432000" indent="-216000">
+              <a:lnSpc>
+                <a:spcPct val="100000"/>
+              </a:lnSpc>
+              <a:buClr>
+                <a:srgbClr val="000000"/>
+              </a:buClr>
+              <a:buSzPct val="45000"/>
+              <a:buFont typeface="Wingdings" charset="2"/>
+              <a:buChar char=""/>
+            </a:pPr>
+            <a:r>
+              <a:rPr b="1" lang="en-US" sz="2270" spc="-1" strike="noStrike">
+                <a:solidFill>
+                  <a:srgbClr val="000000"/>
+                </a:solidFill>
+                <a:latin typeface="Arial"/>
+                <a:ea typeface="DejaVu Sans"/>
+              </a:rPr>
+              <a:t>narzędzi open source </a:t>
             </a:r>
             <a:r>
               <a:rPr b="0" lang="en-US" sz="2270" spc="-1" strike="noStrike" u="sng">
@@ -6295,7 +6351,33 @@
                 <a:latin typeface="Arial"/>
                 <a:ea typeface="DejaVu Sans"/>
               </a:rPr>
-              <a:t>, artykułów (</a:t>
+              <a:t>, </a:t>
+            </a:r>
+            <a:endParaRPr b="0" lang="en-US" sz="2270" spc="-1" strike="noStrike">
+              <a:latin typeface="Arial"/>
+            </a:endParaRPr>
+          </a:p>
+          <a:p>
+            <a:pPr lvl="1" marL="432000" indent="-216000">
+              <a:lnSpc>
+                <a:spcPct val="100000"/>
+              </a:lnSpc>
+              <a:buClr>
+                <a:srgbClr val="000000"/>
+              </a:buClr>
+              <a:buSzPct val="45000"/>
+              <a:buFont typeface="Wingdings" charset="2"/>
+              <a:buChar char=""/>
+            </a:pPr>
+            <a:r>
+              <a:rPr b="1" lang="en-US" sz="2270" spc="-1" strike="noStrike">
+                <a:solidFill>
+                  <a:srgbClr val="000000"/>
+                </a:solidFill>
+                <a:latin typeface="Arial"/>
+                <a:ea typeface="DejaVu Sans"/>
+              </a:rPr>
+              <a:t>artykułów </a:t>
             </a:r>
             <a:r>
               <a:rPr b="0" lang="en-US" sz="2270" spc="-1" strike="noStrike" u="sng">
@@ -6329,16 +6411,6 @@
                 <a:hlinkClick r:id="rId2"/>
               </a:rPr>
               <a:t>https://atos.net/en/lp/securitydive/category</a:t>
-            </a:r>
-            <a:r>
-              <a:rPr b="1" lang="en-US" sz="2270" spc="-1" strike="noStrike">
-                <a:solidFill>
-                  <a:srgbClr val="000000"/>
-                </a:solidFill>
-                <a:latin typeface="Arial"/>
-                <a:ea typeface="DejaVu Sans"/>
-              </a:rPr>
-              <a:t>)</a:t>
             </a:r>
             <a:endParaRPr b="0" lang="en-US" sz="2270" spc="-1" strike="noStrike">
               <a:latin typeface="Arial"/>
@@ -6364,6 +6436,16 @@
                 <a:latin typeface="Arial"/>
                 <a:ea typeface="DejaVu Sans"/>
               </a:rPr>
+              <a:t> </a:t>
+            </a:r>
+            <a:r>
+              <a:rPr b="1" lang="en-US" sz="2270" spc="-1" strike="noStrike">
+                <a:solidFill>
+                  <a:srgbClr val="000000"/>
+                </a:solidFill>
+                <a:latin typeface="Arial"/>
+                <a:ea typeface="DejaVu Sans"/>
+              </a:rPr>
               <a:t>OSCP, OSWP, OSCE, OSWE</a:t>
             </a:r>
             <a:endParaRPr b="0" lang="en-US" sz="2270" spc="-1" strike="noStrike">
@@ -6390,9 +6472,8 @@
                 <a:latin typeface="Arial"/>
                 <a:ea typeface="DejaVu Sans"/>
               </a:rPr>
-              <a:t>Okazjonalny poszukiwacz podatności w oprogramowaniu (CVE-2022-3859, CVE-2020-12669, CVE-2020-12742, CVE-2020-12743, CVE-2019-3613, CVE-2015-6029, CVE-2015-6030,  https://seclists.org/fulldisclosure/2015/May/57, https://seclists.org/fulldisclosure/2015/May/56, CVE-2014-7884, CVE-2014-7885, CVE-2014-8246, CVE-2014-8247)</a:t>
-            </a:r>
-            <a:br/>
+              <a:t> </a:t>
+            </a:r>
             <a:r>
               <a:rPr b="1" lang="en-US" sz="2270" spc="-1" strike="noStrike">
                 <a:solidFill>
@@ -6401,7 +6482,18 @@
                 <a:latin typeface="Arial"/>
                 <a:ea typeface="DejaVu Sans"/>
               </a:rPr>
-              <a:t> </a:t>
+              <a:t>Okazjonalny poszukiwacz podatności w oprogramowaniu - ponad 20 opublikowanych nowo odkrytych podatności, zdecydowana większość zakończona rejestracją CVE -  </a:t>
+            </a:r>
+            <a:r>
+              <a:rPr b="0" lang="en-US" sz="2270" spc="-1" strike="noStrike">
+                <a:solidFill>
+                  <a:srgbClr val="000000"/>
+                </a:solidFill>
+                <a:latin typeface="Arial"/>
+                <a:ea typeface="DejaVu Sans"/>
+                <a:hlinkClick r:id="rId3"/>
+              </a:rPr>
+              <a:t>https://www.linkedin.com/in/julian-31337/details/honors/</a:t>
             </a:r>
             <a:endParaRPr b="0" lang="en-US" sz="2270" spc="-1" strike="noStrike">
               <a:latin typeface="Arial"/>
@@ -6414,29 +6506,6 @@
               </a:lnSpc>
               <a:buNone/>
             </a:pPr>
-            <a:r>
-              <a:rPr b="0" lang="en-US" sz="2270" spc="-1" strike="noStrike" u="sng">
-                <a:solidFill>
-                  <a:srgbClr val="0563c1"/>
-                </a:solidFill>
-                <a:uFillTx/>
-                <a:latin typeface="Arial"/>
-                <a:ea typeface="DejaVu Sans"/>
-                <a:hlinkClick r:id="rId3"/>
-              </a:rPr>
-              <a:t>https://www.linkedin.com/in/julian-31337/</a:t>
-            </a:r>
-            <a:r>
-              <a:rPr b="0" lang="en-US" sz="2270" spc="-1" strike="noStrike" u="sng">
-                <a:solidFill>
-                  <a:srgbClr val="000000"/>
-                </a:solidFill>
-                <a:uFillTx/>
-                <a:latin typeface="Arial"/>
-                <a:ea typeface="DejaVu Sans"/>
-              </a:rPr>
-              <a:t> </a:t>
-            </a:r>
             <a:endParaRPr b="0" lang="en-US" sz="2270" spc="-1" strike="noStrike">
               <a:latin typeface="Arial"/>
             </a:endParaRPr>
@@ -6456,7 +6525,7 @@
         <p:spPr>
           <a:xfrm>
             <a:off x="259920" y="273240"/>
-            <a:ext cx="8166960" cy="930600"/>
+            <a:ext cx="11627280" cy="930240"/>
           </a:xfrm>
           <a:prstGeom prst="rect">
             <a:avLst/>
@@ -6468,7 +6537,7 @@
         </p:spPr>
         <p:txBody>
           <a:bodyPr lIns="90000" rIns="90000" tIns="190440" bIns="45000" anchor="ctr">
-            <a:normAutofit fontScale="61000"/>
+            <a:normAutofit fontScale="65000"/>
           </a:bodyPr>
           <a:p>
             <a:pPr marL="44280">
@@ -6478,7 +6547,7 @@
               <a:buNone/>
             </a:pPr>
             <a:r>
-              <a:rPr b="1" lang="en-US" sz="4810" spc="276" strike="noStrike" u="sng">
+              <a:rPr b="1" lang="en-US" sz="4810" spc="273" strike="noStrike" u="sng">
                 <a:solidFill>
                   <a:srgbClr val="000000"/>
                 </a:solidFill>
@@ -6486,7 +6555,7 @@
                 <a:latin typeface="Consolas"/>
                 <a:ea typeface="DejaVu Sans"/>
               </a:rPr>
-              <a:t>Prowadzący - Julian Horoszkiewicz</a:t>
+              <a:t>Prowadzący - mgr inż. Julian Horoszkiewicz</a:t>
             </a:r>
             <a:endParaRPr b="0" lang="en-US" sz="4810" spc="-1" strike="noStrike">
               <a:latin typeface="Arial"/>
@@ -6503,7 +6572,7 @@
         <p:spPr>
           <a:xfrm>
             <a:off x="290160" y="4114800"/>
-            <a:ext cx="8166960" cy="930600"/>
+            <a:ext cx="8166600" cy="930240"/>
           </a:xfrm>
           <a:prstGeom prst="rect">
             <a:avLst/>
@@ -6623,7 +6692,7 @@
         <p:spPr>
           <a:xfrm>
             <a:off x="287280" y="64800"/>
-            <a:ext cx="11615760" cy="543240"/>
+            <a:ext cx="11615400" cy="542880"/>
           </a:xfrm>
           <a:prstGeom prst="rect">
             <a:avLst/>
@@ -6645,7 +6714,7 @@
               <a:buNone/>
             </a:pPr>
             <a:r>
-              <a:rPr b="1" lang="en-US" sz="3200" spc="276" strike="noStrike">
+              <a:rPr b="1" lang="en-US" sz="3200" spc="273" strike="noStrike">
                 <a:solidFill>
                   <a:srgbClr val="000000"/>
                 </a:solidFill>
@@ -6669,7 +6738,7 @@
         <p:spPr>
           <a:xfrm>
             <a:off x="287280" y="4765320"/>
-            <a:ext cx="11313720" cy="394560"/>
+            <a:ext cx="11313360" cy="394560"/>
           </a:xfrm>
           <a:prstGeom prst="rect">
             <a:avLst/>
@@ -6721,7 +6790,7 @@
         <p:spPr>
           <a:xfrm>
             <a:off x="287280" y="5165640"/>
-            <a:ext cx="10270080" cy="363960"/>
+            <a:ext cx="10269720" cy="363960"/>
           </a:xfrm>
           <a:prstGeom prst="rect">
             <a:avLst/>
@@ -6774,7 +6843,7 @@
         <p:spPr>
           <a:xfrm>
             <a:off x="287280" y="5904720"/>
-            <a:ext cx="11313720" cy="699480"/>
+            <a:ext cx="11313360" cy="699480"/>
           </a:xfrm>
           <a:prstGeom prst="rect">
             <a:avLst/>
@@ -6830,7 +6899,7 @@
         <p:spPr>
           <a:xfrm>
             <a:off x="2405520" y="675720"/>
-            <a:ext cx="8005320" cy="4022280"/>
+            <a:ext cx="8004960" cy="4021920"/>
           </a:xfrm>
           <a:prstGeom prst="rect">
             <a:avLst/>
@@ -6883,7 +6952,7 @@
         <p:spPr>
           <a:xfrm>
             <a:off x="716760" y="194040"/>
-            <a:ext cx="9308880" cy="930600"/>
+            <a:ext cx="9308520" cy="930240"/>
           </a:xfrm>
           <a:prstGeom prst="rect">
             <a:avLst/>
@@ -6905,7 +6974,7 @@
               <a:buNone/>
             </a:pPr>
             <a:r>
-              <a:rPr b="1" lang="en-US" sz="4810" spc="276" strike="noStrike">
+              <a:rPr b="1" lang="en-US" sz="4810" spc="273" strike="noStrike">
                 <a:solidFill>
                   <a:srgbClr val="000000"/>
                 </a:solidFill>
@@ -6929,7 +6998,7 @@
         <p:spPr>
           <a:xfrm>
             <a:off x="716760" y="1683000"/>
-            <a:ext cx="11023200" cy="4497120"/>
+            <a:ext cx="11022840" cy="4497120"/>
           </a:xfrm>
           <a:prstGeom prst="rect">
             <a:avLst/>
@@ -7191,7 +7260,7 @@
         <p:spPr>
           <a:xfrm>
             <a:off x="10176120" y="129240"/>
-            <a:ext cx="1407240" cy="1407240"/>
+            <a:ext cx="1406880" cy="1406880"/>
           </a:xfrm>
           <a:prstGeom prst="rect">
             <a:avLst/>
@@ -7244,7 +7313,7 @@
         <p:spPr>
           <a:xfrm>
             <a:off x="711000" y="194040"/>
-            <a:ext cx="10941840" cy="1291320"/>
+            <a:ext cx="10941480" cy="1290960"/>
           </a:xfrm>
           <a:prstGeom prst="rect">
             <a:avLst/>
@@ -7266,7 +7335,7 @@
               <a:buNone/>
             </a:pPr>
             <a:r>
-              <a:rPr b="1" lang="en-US" sz="4808" spc="276" strike="noStrike" baseline="-18000">
+              <a:rPr b="1" lang="en-US" sz="4808" spc="273" strike="noStrike" baseline="-18000">
                 <a:solidFill>
                   <a:srgbClr val="000000"/>
                 </a:solidFill>
@@ -7290,7 +7359,7 @@
         <p:spPr>
           <a:xfrm>
             <a:off x="711000" y="1867680"/>
-            <a:ext cx="11023200" cy="3805200"/>
+            <a:ext cx="11022840" cy="3805200"/>
           </a:xfrm>
           <a:prstGeom prst="rect">
             <a:avLst/>
@@ -7584,7 +7653,7 @@
         <p:spPr>
           <a:xfrm>
             <a:off x="1540440" y="3153240"/>
-            <a:ext cx="9150120" cy="546480"/>
+            <a:ext cx="9149760" cy="546480"/>
           </a:xfrm>
           <a:prstGeom prst="rect">
             <a:avLst/>
@@ -7640,7 +7709,7 @@
         <p:spPr>
           <a:xfrm>
             <a:off x="7395480" y="3561480"/>
-            <a:ext cx="25920" cy="62280"/>
+            <a:ext cx="25560" cy="62280"/>
           </a:xfrm>
           <a:prstGeom prst="rect">
             <a:avLst/>
@@ -7726,7 +7795,7 @@
         <p:spPr>
           <a:xfrm>
             <a:off x="838080" y="365040"/>
-            <a:ext cx="10514160" cy="1324080"/>
+            <a:ext cx="10513800" cy="1323720"/>
           </a:xfrm>
           <a:prstGeom prst="rect">
             <a:avLst/>
@@ -7777,7 +7846,7 @@
         <p:spPr>
           <a:xfrm>
             <a:off x="838080" y="1345320"/>
-            <a:ext cx="10514160" cy="4349880"/>
+            <a:ext cx="10513800" cy="4349520"/>
           </a:xfrm>
           <a:prstGeom prst="rect">
             <a:avLst/>
@@ -8028,7 +8097,7 @@
         <p:spPr>
           <a:xfrm>
             <a:off x="919080" y="1462320"/>
-            <a:ext cx="10500840" cy="2421360"/>
+            <a:ext cx="10500480" cy="2421360"/>
           </a:xfrm>
           <a:prstGeom prst="rect">
             <a:avLst/>
@@ -8207,7 +8276,7 @@
         <p:spPr>
           <a:xfrm>
             <a:off x="865800" y="5210280"/>
-            <a:ext cx="8962920" cy="415440"/>
+            <a:ext cx="8962560" cy="415440"/>
           </a:xfrm>
           <a:prstGeom prst="rect">
             <a:avLst/>
@@ -8275,7 +8344,7 @@
         <p:spPr>
           <a:xfrm>
             <a:off x="259920" y="273240"/>
-            <a:ext cx="8166960" cy="930600"/>
+            <a:ext cx="8166600" cy="930240"/>
           </a:xfrm>
           <a:prstGeom prst="rect">
             <a:avLst/>
@@ -8297,7 +8366,7 @@
               <a:buNone/>
             </a:pPr>
             <a:r>
-              <a:rPr b="1" lang="en-US" sz="4810" spc="276" strike="noStrike" u="sng">
+              <a:rPr b="1" lang="en-US" sz="4810" spc="273" strike="noStrike" u="sng">
                 <a:solidFill>
                   <a:srgbClr val="000000"/>
                 </a:solidFill>
@@ -8322,7 +8391,7 @@
         <p:spPr>
           <a:xfrm>
             <a:off x="290160" y="4114800"/>
-            <a:ext cx="8166960" cy="930600"/>
+            <a:ext cx="8166600" cy="930240"/>
           </a:xfrm>
           <a:prstGeom prst="rect">
             <a:avLst/>
@@ -8350,7 +8419,7 @@
               <a:buNone/>
             </a:pPr>
             <a:r>
-              <a:rPr b="1" lang="en-US" sz="4810" spc="276" strike="noStrike" u="sng">
+              <a:rPr b="1" lang="en-US" sz="4810" spc="273" strike="noStrike" u="sng">
                 <a:solidFill>
                   <a:srgbClr val="000000"/>
                 </a:solidFill>
@@ -8405,7 +8474,7 @@
         <p:spPr>
           <a:xfrm>
             <a:off x="1619640" y="615240"/>
-            <a:ext cx="7767000" cy="636840"/>
+            <a:ext cx="7766640" cy="636840"/>
           </a:xfrm>
           <a:prstGeom prst="rect">
             <a:avLst/>
@@ -8436,7 +8505,7 @@
               </a:tabLst>
             </a:pPr>
             <a:r>
-              <a:rPr b="1" lang="en-US" sz="4180" spc="245" strike="noStrike" u="sng">
+              <a:rPr b="1" lang="en-US" sz="4180" spc="242" strike="noStrike" u="sng">
                 <a:solidFill>
                   <a:srgbClr val="000000"/>
                 </a:solidFill>
@@ -8461,7 +8530,7 @@
         <p:spPr>
           <a:xfrm>
             <a:off x="1619640" y="1735920"/>
-            <a:ext cx="9508680" cy="3412440"/>
+            <a:ext cx="9508320" cy="3412440"/>
           </a:xfrm>
           <a:prstGeom prst="rect">
             <a:avLst/>
@@ -8866,7 +8935,7 @@
         <p:spPr>
           <a:xfrm>
             <a:off x="888840" y="362160"/>
-            <a:ext cx="10960200" cy="930600"/>
+            <a:ext cx="10959840" cy="930240"/>
           </a:xfrm>
           <a:prstGeom prst="rect">
             <a:avLst/>
@@ -8888,7 +8957,7 @@
               <a:buNone/>
             </a:pPr>
             <a:r>
-              <a:rPr b="1" lang="en-US" sz="4810" spc="276" strike="noStrike">
+              <a:rPr b="1" lang="en-US" sz="4810" spc="273" strike="noStrike">
                 <a:solidFill>
                   <a:srgbClr val="000000"/>
                 </a:solidFill>
@@ -8912,7 +8981,7 @@
         <p:spPr>
           <a:xfrm>
             <a:off x="1118160" y="1857600"/>
-            <a:ext cx="10500840" cy="3113280"/>
+            <a:ext cx="10500480" cy="3113280"/>
           </a:xfrm>
           <a:prstGeom prst="rect">
             <a:avLst/>
@@ -9202,7 +9271,7 @@
         <p:spPr>
           <a:xfrm>
             <a:off x="888840" y="362160"/>
-            <a:ext cx="8962920" cy="930600"/>
+            <a:ext cx="8962560" cy="930240"/>
           </a:xfrm>
           <a:prstGeom prst="rect">
             <a:avLst/>
@@ -9224,7 +9293,7 @@
               <a:buNone/>
             </a:pPr>
             <a:r>
-              <a:rPr b="1" lang="en-US" sz="4810" spc="276" strike="noStrike">
+              <a:rPr b="1" lang="en-US" sz="4810" spc="273" strike="noStrike">
                 <a:solidFill>
                   <a:srgbClr val="000000"/>
                 </a:solidFill>
@@ -9248,7 +9317,7 @@
         <p:spPr>
           <a:xfrm>
             <a:off x="1020600" y="1665360"/>
-            <a:ext cx="10500840" cy="4497120"/>
+            <a:ext cx="10500480" cy="4497120"/>
           </a:xfrm>
           <a:prstGeom prst="rect">
             <a:avLst/>
@@ -9540,7 +9609,7 @@
         <p:spPr>
           <a:xfrm>
             <a:off x="9060480" y="63000"/>
-            <a:ext cx="3011400" cy="1877040"/>
+            <a:ext cx="3011040" cy="1876680"/>
           </a:xfrm>
           <a:prstGeom prst="rect">
             <a:avLst/>
@@ -9593,7 +9662,7 @@
         <p:spPr>
           <a:xfrm>
             <a:off x="406440" y="362160"/>
-            <a:ext cx="11784240" cy="930600"/>
+            <a:ext cx="11783880" cy="930240"/>
           </a:xfrm>
           <a:prstGeom prst="rect">
             <a:avLst/>
@@ -9615,7 +9684,7 @@
               <a:buNone/>
             </a:pPr>
             <a:r>
-              <a:rPr b="1" lang="en-US" sz="4810" spc="276" strike="noStrike">
+              <a:rPr b="1" lang="en-US" sz="4810" spc="273" strike="noStrike">
                 <a:solidFill>
                   <a:srgbClr val="000000"/>
                 </a:solidFill>
@@ -9639,7 +9708,7 @@
         <p:spPr>
           <a:xfrm>
             <a:off x="687960" y="1978560"/>
-            <a:ext cx="11023200" cy="4843080"/>
+            <a:ext cx="11022840" cy="4843080"/>
           </a:xfrm>
           <a:prstGeom prst="rect">
             <a:avLst/>
@@ -9940,7 +10009,7 @@
         <p:spPr>
           <a:xfrm>
             <a:off x="9284400" y="0"/>
-            <a:ext cx="2890440" cy="1877400"/>
+            <a:ext cx="2890080" cy="1877040"/>
           </a:xfrm>
           <a:prstGeom prst="rect">
             <a:avLst/>
@@ -9993,7 +10062,7 @@
         <p:spPr>
           <a:xfrm>
             <a:off x="406440" y="362160"/>
-            <a:ext cx="11784240" cy="930600"/>
+            <a:ext cx="11783880" cy="930240"/>
           </a:xfrm>
           <a:prstGeom prst="rect">
             <a:avLst/>
@@ -10015,7 +10084,7 @@
               <a:buNone/>
             </a:pPr>
             <a:r>
-              <a:rPr b="1" lang="en-US" sz="4810" spc="276" strike="noStrike">
+              <a:rPr b="1" lang="en-US" sz="4810" spc="273" strike="noStrike">
                 <a:solidFill>
                   <a:srgbClr val="000000"/>
                 </a:solidFill>
@@ -10039,7 +10108,7 @@
         <p:spPr>
           <a:xfrm>
             <a:off x="687960" y="1978560"/>
-            <a:ext cx="11023200" cy="4497120"/>
+            <a:ext cx="11022840" cy="4497120"/>
           </a:xfrm>
           <a:prstGeom prst="rect">
             <a:avLst/>
@@ -10399,7 +10468,7 @@
         <p:spPr>
           <a:xfrm>
             <a:off x="9827640" y="80640"/>
-            <a:ext cx="2252160" cy="1494000"/>
+            <a:ext cx="2251800" cy="1493640"/>
           </a:xfrm>
           <a:prstGeom prst="rect">
             <a:avLst/>
@@ -10452,7 +10521,7 @@
         <p:spPr>
           <a:xfrm>
             <a:off x="2431080" y="194040"/>
-            <a:ext cx="7932600" cy="930600"/>
+            <a:ext cx="7932240" cy="930240"/>
           </a:xfrm>
           <a:prstGeom prst="rect">
             <a:avLst/>
@@ -10474,7 +10543,7 @@
               <a:buNone/>
             </a:pPr>
             <a:r>
-              <a:rPr b="1" lang="en-US" sz="4810" spc="276" strike="noStrike">
+              <a:rPr b="1" lang="en-US" sz="4810" spc="273" strike="noStrike">
                 <a:solidFill>
                   <a:srgbClr val="000000"/>
                 </a:solidFill>
@@ -10502,7 +10571,7 @@
         <p:spPr>
           <a:xfrm>
             <a:off x="10557000" y="0"/>
-            <a:ext cx="1707120" cy="1132200"/>
+            <a:ext cx="1706760" cy="1131840"/>
           </a:xfrm>
           <a:prstGeom prst="rect">
             <a:avLst/>
@@ -10525,7 +10594,7 @@
         <p:spPr>
           <a:xfrm>
             <a:off x="110880" y="50040"/>
-            <a:ext cx="2007000" cy="1303200"/>
+            <a:ext cx="2006640" cy="1302840"/>
           </a:xfrm>
           <a:prstGeom prst="rect">
             <a:avLst/>
@@ -10548,7 +10617,7 @@
         <p:spPr>
           <a:xfrm>
             <a:off x="2311200" y="1355040"/>
-            <a:ext cx="8052840" cy="5307480"/>
+            <a:ext cx="8052480" cy="5307120"/>
           </a:xfrm>
           <a:prstGeom prst="rect">
             <a:avLst/>
